--- a/draw.pptx
+++ b/draw.pptx
@@ -4,17 +4,21 @@
   <p:sldMasterIdLst>
     <p:sldMasterId id="2147483648" r:id="rId1"/>
   </p:sldMasterIdLst>
+  <p:notesMasterIdLst>
+    <p:notesMasterId r:id="rId8"/>
+  </p:notesMasterIdLst>
   <p:sldIdLst>
-    <p:sldId id="256" r:id="rId2"/>
-    <p:sldId id="257" r:id="rId3"/>
-    <p:sldId id="258" r:id="rId4"/>
-    <p:sldId id="259" r:id="rId5"/>
-    <p:sldId id="260" r:id="rId6"/>
+    <p:sldId id="261" r:id="rId2"/>
+    <p:sldId id="256" r:id="rId3"/>
+    <p:sldId id="257" r:id="rId4"/>
+    <p:sldId id="258" r:id="rId5"/>
+    <p:sldId id="259" r:id="rId6"/>
+    <p:sldId id="260" r:id="rId7"/>
   </p:sldIdLst>
   <p:sldSz cx="12192000" cy="6858000"/>
   <p:notesSz cx="6858000" cy="9144000"/>
   <p:custDataLst>
-    <p:tags r:id="rId7"/>
+    <p:tags r:id="rId9"/>
   </p:custDataLst>
   <p:defaultTextStyle>
     <a:defPPr>
@@ -6876,6 +6880,439 @@
 </dgm:styleDef>
 </file>
 
+<file path=ppt/notesMasters/notesMaster1.xml><?xml version="1.0" encoding="utf-8"?>
+<p:notesMaster xmlns:a="http://schemas.openxmlformats.org/drawingml/2006/main" xmlns:r="http://schemas.openxmlformats.org/officeDocument/2006/relationships" xmlns:p="http://schemas.openxmlformats.org/presentationml/2006/main">
+  <p:cSld>
+    <p:bg>
+      <p:bgRef idx="1001">
+        <a:schemeClr val="bg1"/>
+      </p:bgRef>
+    </p:bg>
+    <p:spTree>
+      <p:nvGrpSpPr>
+        <p:cNvPr id="1" name=""/>
+        <p:cNvGrpSpPr/>
+        <p:nvPr/>
+      </p:nvGrpSpPr>
+      <p:grpSpPr>
+        <a:xfrm>
+          <a:off x="0" y="0"/>
+          <a:ext cx="0" cy="0"/>
+          <a:chOff x="0" y="0"/>
+          <a:chExt cx="0" cy="0"/>
+        </a:xfrm>
+      </p:grpSpPr>
+      <p:sp>
+        <p:nvSpPr>
+          <p:cNvPr id="2" name="页眉占位符 1"/>
+          <p:cNvSpPr>
+            <a:spLocks noGrp="1"/>
+          </p:cNvSpPr>
+          <p:nvPr>
+            <p:ph type="hdr" sz="quarter"/>
+          </p:nvPr>
+        </p:nvSpPr>
+        <p:spPr>
+          <a:xfrm>
+            <a:off x="0" y="0"/>
+            <a:ext cx="2971800" cy="458788"/>
+          </a:xfrm>
+          <a:prstGeom prst="rect">
+            <a:avLst/>
+          </a:prstGeom>
+        </p:spPr>
+        <p:txBody>
+          <a:bodyPr vert="horz" lIns="91440" tIns="45720" rIns="91440" bIns="45720" rtlCol="0"/>
+          <a:lstStyle>
+            <a:lvl1pPr algn="l">
+              <a:defRPr sz="1200"/>
+            </a:lvl1pPr>
+          </a:lstStyle>
+          <a:p>
+            <a:endParaRPr lang="zh-CN" altLang="en-US"/>
+          </a:p>
+        </p:txBody>
+      </p:sp>
+      <p:sp>
+        <p:nvSpPr>
+          <p:cNvPr id="3" name="日期占位符 2"/>
+          <p:cNvSpPr>
+            <a:spLocks noGrp="1"/>
+          </p:cNvSpPr>
+          <p:nvPr>
+            <p:ph type="dt" idx="1"/>
+          </p:nvPr>
+        </p:nvSpPr>
+        <p:spPr>
+          <a:xfrm>
+            <a:off x="3884613" y="0"/>
+            <a:ext cx="2971800" cy="458788"/>
+          </a:xfrm>
+          <a:prstGeom prst="rect">
+            <a:avLst/>
+          </a:prstGeom>
+        </p:spPr>
+        <p:txBody>
+          <a:bodyPr vert="horz" lIns="91440" tIns="45720" rIns="91440" bIns="45720" rtlCol="0"/>
+          <a:lstStyle>
+            <a:lvl1pPr algn="r">
+              <a:defRPr sz="1200"/>
+            </a:lvl1pPr>
+          </a:lstStyle>
+          <a:p>
+            <a:fld id="{7123EED6-9158-4987-A64A-7A3F6B88B157}" type="datetimeFigureOut">
+              <a:rPr lang="zh-CN" altLang="en-US" smtClean="0"/>
+              <a:t>2022/10/6</a:t>
+            </a:fld>
+            <a:endParaRPr lang="zh-CN" altLang="en-US"/>
+          </a:p>
+        </p:txBody>
+      </p:sp>
+      <p:sp>
+        <p:nvSpPr>
+          <p:cNvPr id="4" name="幻灯片图像占位符 3"/>
+          <p:cNvSpPr>
+            <a:spLocks noGrp="1" noRot="1" noChangeAspect="1"/>
+          </p:cNvSpPr>
+          <p:nvPr>
+            <p:ph type="sldImg" idx="2"/>
+          </p:nvPr>
+        </p:nvSpPr>
+        <p:spPr>
+          <a:xfrm>
+            <a:off x="685800" y="1143000"/>
+            <a:ext cx="5486400" cy="3086100"/>
+          </a:xfrm>
+          <a:prstGeom prst="rect">
+            <a:avLst/>
+          </a:prstGeom>
+          <a:noFill/>
+          <a:ln w="12700">
+            <a:solidFill>
+              <a:prstClr val="black"/>
+            </a:solidFill>
+          </a:ln>
+        </p:spPr>
+        <p:txBody>
+          <a:bodyPr vert="horz" lIns="91440" tIns="45720" rIns="91440" bIns="45720" rtlCol="0" anchor="ctr"/>
+          <a:lstStyle/>
+          <a:p>
+            <a:endParaRPr lang="zh-CN" altLang="en-US"/>
+          </a:p>
+        </p:txBody>
+      </p:sp>
+      <p:sp>
+        <p:nvSpPr>
+          <p:cNvPr id="5" name="备注占位符 4"/>
+          <p:cNvSpPr>
+            <a:spLocks noGrp="1"/>
+          </p:cNvSpPr>
+          <p:nvPr>
+            <p:ph type="body" sz="quarter" idx="3"/>
+          </p:nvPr>
+        </p:nvSpPr>
+        <p:spPr>
+          <a:xfrm>
+            <a:off x="685800" y="4400550"/>
+            <a:ext cx="5486400" cy="3600450"/>
+          </a:xfrm>
+          <a:prstGeom prst="rect">
+            <a:avLst/>
+          </a:prstGeom>
+        </p:spPr>
+        <p:txBody>
+          <a:bodyPr vert="horz" lIns="91440" tIns="45720" rIns="91440" bIns="45720" rtlCol="0"/>
+          <a:lstStyle/>
+          <a:p>
+            <a:pPr lvl="0"/>
+            <a:r>
+              <a:rPr lang="zh-CN" altLang="en-US"/>
+              <a:t>单击此处编辑母版文本样式</a:t>
+            </a:r>
+          </a:p>
+          <a:p>
+            <a:pPr lvl="1"/>
+            <a:r>
+              <a:rPr lang="zh-CN" altLang="en-US"/>
+              <a:t>二级</a:t>
+            </a:r>
+          </a:p>
+          <a:p>
+            <a:pPr lvl="2"/>
+            <a:r>
+              <a:rPr lang="zh-CN" altLang="en-US"/>
+              <a:t>三级</a:t>
+            </a:r>
+          </a:p>
+          <a:p>
+            <a:pPr lvl="3"/>
+            <a:r>
+              <a:rPr lang="zh-CN" altLang="en-US"/>
+              <a:t>四级</a:t>
+            </a:r>
+          </a:p>
+          <a:p>
+            <a:pPr lvl="4"/>
+            <a:r>
+              <a:rPr lang="zh-CN" altLang="en-US"/>
+              <a:t>五级</a:t>
+            </a:r>
+          </a:p>
+        </p:txBody>
+      </p:sp>
+      <p:sp>
+        <p:nvSpPr>
+          <p:cNvPr id="6" name="页脚占位符 5"/>
+          <p:cNvSpPr>
+            <a:spLocks noGrp="1"/>
+          </p:cNvSpPr>
+          <p:nvPr>
+            <p:ph type="ftr" sz="quarter" idx="4"/>
+          </p:nvPr>
+        </p:nvSpPr>
+        <p:spPr>
+          <a:xfrm>
+            <a:off x="0" y="8685213"/>
+            <a:ext cx="2971800" cy="458787"/>
+          </a:xfrm>
+          <a:prstGeom prst="rect">
+            <a:avLst/>
+          </a:prstGeom>
+        </p:spPr>
+        <p:txBody>
+          <a:bodyPr vert="horz" lIns="91440" tIns="45720" rIns="91440" bIns="45720" rtlCol="0" anchor="b"/>
+          <a:lstStyle>
+            <a:lvl1pPr algn="l">
+              <a:defRPr sz="1200"/>
+            </a:lvl1pPr>
+          </a:lstStyle>
+          <a:p>
+            <a:endParaRPr lang="zh-CN" altLang="en-US"/>
+          </a:p>
+        </p:txBody>
+      </p:sp>
+      <p:sp>
+        <p:nvSpPr>
+          <p:cNvPr id="7" name="灯片编号占位符 6"/>
+          <p:cNvSpPr>
+            <a:spLocks noGrp="1"/>
+          </p:cNvSpPr>
+          <p:nvPr>
+            <p:ph type="sldNum" sz="quarter" idx="5"/>
+          </p:nvPr>
+        </p:nvSpPr>
+        <p:spPr>
+          <a:xfrm>
+            <a:off x="3884613" y="8685213"/>
+            <a:ext cx="2971800" cy="458787"/>
+          </a:xfrm>
+          <a:prstGeom prst="rect">
+            <a:avLst/>
+          </a:prstGeom>
+        </p:spPr>
+        <p:txBody>
+          <a:bodyPr vert="horz" lIns="91440" tIns="45720" rIns="91440" bIns="45720" rtlCol="0" anchor="b"/>
+          <a:lstStyle>
+            <a:lvl1pPr algn="r">
+              <a:defRPr sz="1200"/>
+            </a:lvl1pPr>
+          </a:lstStyle>
+          <a:p>
+            <a:fld id="{4770B889-4628-4FD4-ACA5-7F9692F69CC9}" type="slidenum">
+              <a:rPr lang="zh-CN" altLang="en-US" smtClean="0"/>
+              <a:t>‹#›</a:t>
+            </a:fld>
+            <a:endParaRPr lang="zh-CN" altLang="en-US"/>
+          </a:p>
+        </p:txBody>
+      </p:sp>
+    </p:spTree>
+    <p:extLst>
+      <p:ext uri="{BB962C8B-B14F-4D97-AF65-F5344CB8AC3E}">
+        <p14:creationId xmlns:p14="http://schemas.microsoft.com/office/powerpoint/2010/main" val="3991382320"/>
+      </p:ext>
+    </p:extLst>
+  </p:cSld>
+  <p:clrMap bg1="lt1" tx1="dk1" bg2="lt2" tx2="dk2" accent1="accent1" accent2="accent2" accent3="accent3" accent4="accent4" accent5="accent5" accent6="accent6" hlink="hlink" folHlink="folHlink"/>
+  <p:notesStyle>
+    <a:lvl1pPr marL="0" algn="l" defTabSz="914400" rtl="0" eaLnBrk="1" latinLnBrk="0" hangingPunct="1">
+      <a:defRPr sz="1200" kern="1200">
+        <a:solidFill>
+          <a:schemeClr val="tx1"/>
+        </a:solidFill>
+        <a:latin typeface="+mn-lt"/>
+        <a:ea typeface="+mn-ea"/>
+        <a:cs typeface="+mn-cs"/>
+      </a:defRPr>
+    </a:lvl1pPr>
+    <a:lvl2pPr marL="457200" algn="l" defTabSz="914400" rtl="0" eaLnBrk="1" latinLnBrk="0" hangingPunct="1">
+      <a:defRPr sz="1200" kern="1200">
+        <a:solidFill>
+          <a:schemeClr val="tx1"/>
+        </a:solidFill>
+        <a:latin typeface="+mn-lt"/>
+        <a:ea typeface="+mn-ea"/>
+        <a:cs typeface="+mn-cs"/>
+      </a:defRPr>
+    </a:lvl2pPr>
+    <a:lvl3pPr marL="914400" algn="l" defTabSz="914400" rtl="0" eaLnBrk="1" latinLnBrk="0" hangingPunct="1">
+      <a:defRPr sz="1200" kern="1200">
+        <a:solidFill>
+          <a:schemeClr val="tx1"/>
+        </a:solidFill>
+        <a:latin typeface="+mn-lt"/>
+        <a:ea typeface="+mn-ea"/>
+        <a:cs typeface="+mn-cs"/>
+      </a:defRPr>
+    </a:lvl3pPr>
+    <a:lvl4pPr marL="1371600" algn="l" defTabSz="914400" rtl="0" eaLnBrk="1" latinLnBrk="0" hangingPunct="1">
+      <a:defRPr sz="1200" kern="1200">
+        <a:solidFill>
+          <a:schemeClr val="tx1"/>
+        </a:solidFill>
+        <a:latin typeface="+mn-lt"/>
+        <a:ea typeface="+mn-ea"/>
+        <a:cs typeface="+mn-cs"/>
+      </a:defRPr>
+    </a:lvl4pPr>
+    <a:lvl5pPr marL="1828800" algn="l" defTabSz="914400" rtl="0" eaLnBrk="1" latinLnBrk="0" hangingPunct="1">
+      <a:defRPr sz="1200" kern="1200">
+        <a:solidFill>
+          <a:schemeClr val="tx1"/>
+        </a:solidFill>
+        <a:latin typeface="+mn-lt"/>
+        <a:ea typeface="+mn-ea"/>
+        <a:cs typeface="+mn-cs"/>
+      </a:defRPr>
+    </a:lvl5pPr>
+    <a:lvl6pPr marL="2286000" algn="l" defTabSz="914400" rtl="0" eaLnBrk="1" latinLnBrk="0" hangingPunct="1">
+      <a:defRPr sz="1200" kern="1200">
+        <a:solidFill>
+          <a:schemeClr val="tx1"/>
+        </a:solidFill>
+        <a:latin typeface="+mn-lt"/>
+        <a:ea typeface="+mn-ea"/>
+        <a:cs typeface="+mn-cs"/>
+      </a:defRPr>
+    </a:lvl6pPr>
+    <a:lvl7pPr marL="2743200" algn="l" defTabSz="914400" rtl="0" eaLnBrk="1" latinLnBrk="0" hangingPunct="1">
+      <a:defRPr sz="1200" kern="1200">
+        <a:solidFill>
+          <a:schemeClr val="tx1"/>
+        </a:solidFill>
+        <a:latin typeface="+mn-lt"/>
+        <a:ea typeface="+mn-ea"/>
+        <a:cs typeface="+mn-cs"/>
+      </a:defRPr>
+    </a:lvl7pPr>
+    <a:lvl8pPr marL="3200400" algn="l" defTabSz="914400" rtl="0" eaLnBrk="1" latinLnBrk="0" hangingPunct="1">
+      <a:defRPr sz="1200" kern="1200">
+        <a:solidFill>
+          <a:schemeClr val="tx1"/>
+        </a:solidFill>
+        <a:latin typeface="+mn-lt"/>
+        <a:ea typeface="+mn-ea"/>
+        <a:cs typeface="+mn-cs"/>
+      </a:defRPr>
+    </a:lvl8pPr>
+    <a:lvl9pPr marL="3657600" algn="l" defTabSz="914400" rtl="0" eaLnBrk="1" latinLnBrk="0" hangingPunct="1">
+      <a:defRPr sz="1200" kern="1200">
+        <a:solidFill>
+          <a:schemeClr val="tx1"/>
+        </a:solidFill>
+        <a:latin typeface="+mn-lt"/>
+        <a:ea typeface="+mn-ea"/>
+        <a:cs typeface="+mn-cs"/>
+      </a:defRPr>
+    </a:lvl9pPr>
+  </p:notesStyle>
+</p:notesMaster>
+</file>
+
+<file path=ppt/notesSlides/notesSlide1.xml><?xml version="1.0" encoding="utf-8"?>
+<p:notes xmlns:a="http://schemas.openxmlformats.org/drawingml/2006/main" xmlns:r="http://schemas.openxmlformats.org/officeDocument/2006/relationships" xmlns:p="http://schemas.openxmlformats.org/presentationml/2006/main">
+  <p:cSld>
+    <p:spTree>
+      <p:nvGrpSpPr>
+        <p:cNvPr id="1" name=""/>
+        <p:cNvGrpSpPr/>
+        <p:nvPr/>
+      </p:nvGrpSpPr>
+      <p:grpSpPr>
+        <a:xfrm>
+          <a:off x="0" y="0"/>
+          <a:ext cx="0" cy="0"/>
+          <a:chOff x="0" y="0"/>
+          <a:chExt cx="0" cy="0"/>
+        </a:xfrm>
+      </p:grpSpPr>
+      <p:sp>
+        <p:nvSpPr>
+          <p:cNvPr id="2" name="幻灯片图像占位符 1"/>
+          <p:cNvSpPr>
+            <a:spLocks noGrp="1" noRot="1" noChangeAspect="1"/>
+          </p:cNvSpPr>
+          <p:nvPr>
+            <p:ph type="sldImg"/>
+          </p:nvPr>
+        </p:nvSpPr>
+        <p:spPr/>
+      </p:sp>
+      <p:sp>
+        <p:nvSpPr>
+          <p:cNvPr id="3" name="备注占位符 2"/>
+          <p:cNvSpPr>
+            <a:spLocks noGrp="1"/>
+          </p:cNvSpPr>
+          <p:nvPr>
+            <p:ph type="body" idx="1"/>
+          </p:nvPr>
+        </p:nvSpPr>
+        <p:spPr/>
+        <p:txBody>
+          <a:bodyPr/>
+          <a:lstStyle/>
+          <a:p>
+            <a:endParaRPr lang="en-US" altLang="zh-CN" dirty="0"/>
+          </a:p>
+        </p:txBody>
+      </p:sp>
+      <p:sp>
+        <p:nvSpPr>
+          <p:cNvPr id="4" name="灯片编号占位符 3"/>
+          <p:cNvSpPr>
+            <a:spLocks noGrp="1"/>
+          </p:cNvSpPr>
+          <p:nvPr>
+            <p:ph type="sldNum" sz="quarter" idx="5"/>
+          </p:nvPr>
+        </p:nvSpPr>
+        <p:spPr/>
+        <p:txBody>
+          <a:bodyPr/>
+          <a:lstStyle/>
+          <a:p>
+            <a:fld id="{4770B889-4628-4FD4-ACA5-7F9692F69CC9}" type="slidenum">
+              <a:rPr lang="zh-CN" altLang="en-US" smtClean="0"/>
+              <a:t>1</a:t>
+            </a:fld>
+            <a:endParaRPr lang="zh-CN" altLang="en-US"/>
+          </a:p>
+        </p:txBody>
+      </p:sp>
+    </p:spTree>
+    <p:extLst>
+      <p:ext uri="{BB962C8B-B14F-4D97-AF65-F5344CB8AC3E}">
+        <p14:creationId xmlns:p14="http://schemas.microsoft.com/office/powerpoint/2010/main" val="4131005623"/>
+      </p:ext>
+    </p:extLst>
+  </p:cSld>
+  <p:clrMapOvr>
+    <a:masterClrMapping/>
+  </p:clrMapOvr>
+</p:notes>
+</file>
+
 <file path=ppt/slideLayouts/slideLayout1.xml><?xml version="1.0" encoding="utf-8"?>
 <p:sldLayout xmlns:a="http://schemas.openxmlformats.org/drawingml/2006/main" xmlns:r="http://schemas.openxmlformats.org/officeDocument/2006/relationships" xmlns:p="http://schemas.openxmlformats.org/presentationml/2006/main" type="title" preserve="1">
   <p:cSld name="标题幻灯片">
@@ -7021,7 +7458,7 @@
           <a:p>
             <a:fld id="{760FBDFE-C587-4B4C-A407-44438C67B59E}" type="datetimeFigureOut">
               <a:rPr lang="zh-CN" altLang="en-US" smtClean="0"/>
-              <a:t>2022/9/18</a:t>
+              <a:t>2022/10/6</a:t>
             </a:fld>
             <a:endParaRPr lang="zh-CN" altLang="en-US"/>
           </a:p>
@@ -7120,7 +7557,7 @@
           <a:p>
             <a:fld id="{760FBDFE-C587-4B4C-A407-44438C67B59E}" type="datetimeFigureOut">
               <a:rPr lang="zh-CN" altLang="en-US" smtClean="0"/>
-              <a:t>2022/9/18</a:t>
+              <a:t>2022/10/6</a:t>
             </a:fld>
             <a:endParaRPr lang="zh-CN" altLang="en-US"/>
           </a:p>
@@ -7278,7 +7715,7 @@
           <a:p>
             <a:fld id="{760FBDFE-C587-4B4C-A407-44438C67B59E}" type="datetimeFigureOut">
               <a:rPr lang="zh-CN" altLang="en-US" smtClean="0"/>
-              <a:t>2022/9/18</a:t>
+              <a:t>2022/10/6</a:t>
             </a:fld>
             <a:endParaRPr lang="zh-CN" altLang="en-US"/>
           </a:p>
@@ -7549,7 +7986,7 @@
           <a:p>
             <a:fld id="{760FBDFE-C587-4B4C-A407-44438C67B59E}" type="datetimeFigureOut">
               <a:rPr lang="zh-CN" altLang="en-US" smtClean="0"/>
-              <a:t>2022/9/18</a:t>
+              <a:t>2022/10/6</a:t>
             </a:fld>
             <a:endParaRPr lang="zh-CN" altLang="en-US"/>
           </a:p>
@@ -7809,7 +8246,7 @@
           <a:p>
             <a:fld id="{760FBDFE-C587-4B4C-A407-44438C67B59E}" type="datetimeFigureOut">
               <a:rPr lang="zh-CN" altLang="en-US" smtClean="0"/>
-              <a:t>2022/9/18</a:t>
+              <a:t>2022/10/6</a:t>
             </a:fld>
             <a:endParaRPr lang="zh-CN" altLang="en-US"/>
           </a:p>
@@ -8063,7 +8500,7 @@
           <a:p>
             <a:fld id="{760FBDFE-C587-4B4C-A407-44438C67B59E}" type="datetimeFigureOut">
               <a:rPr lang="zh-CN" altLang="en-US" smtClean="0"/>
-              <a:t>2022/9/18</a:t>
+              <a:t>2022/10/6</a:t>
             </a:fld>
             <a:endParaRPr lang="zh-CN" altLang="en-US"/>
           </a:p>
@@ -8477,7 +8914,7 @@
           <a:p>
             <a:fld id="{760FBDFE-C587-4B4C-A407-44438C67B59E}" type="datetimeFigureOut">
               <a:rPr lang="zh-CN" altLang="en-US" smtClean="0"/>
-              <a:t>2022/9/18</a:t>
+              <a:t>2022/10/6</a:t>
             </a:fld>
             <a:endParaRPr lang="zh-CN" altLang="en-US"/>
           </a:p>
@@ -8609,7 +9046,7 @@
           <a:p>
             <a:fld id="{760FBDFE-C587-4B4C-A407-44438C67B59E}" type="datetimeFigureOut">
               <a:rPr lang="zh-CN" altLang="en-US" smtClean="0"/>
-              <a:t>2022/9/18</a:t>
+              <a:t>2022/10/6</a:t>
             </a:fld>
             <a:endParaRPr lang="zh-CN" altLang="en-US"/>
           </a:p>
@@ -8708,7 +9145,7 @@
           <a:p>
             <a:fld id="{760FBDFE-C587-4B4C-A407-44438C67B59E}" type="datetimeFigureOut">
               <a:rPr lang="zh-CN" altLang="en-US" smtClean="0"/>
-              <a:t>2022/9/18</a:t>
+              <a:t>2022/10/6</a:t>
             </a:fld>
             <a:endParaRPr lang="zh-CN" altLang="en-US"/>
           </a:p>
@@ -8880,7 +9317,7 @@
           <a:p>
             <a:fld id="{9EFD9D74-47D9-4702-A33C-335B63B48DBF}" type="datetimeFigureOut">
               <a:rPr lang="zh-CN" altLang="en-US" smtClean="0"/>
-              <a:t>2022/9/18</a:t>
+              <a:t>2022/10/6</a:t>
             </a:fld>
             <a:endParaRPr lang="zh-CN" altLang="en-US" dirty="0"/>
           </a:p>
@@ -9120,7 +9557,7 @@
           <a:p>
             <a:fld id="{760FBDFE-C587-4B4C-A407-44438C67B59E}" type="datetimeFigureOut">
               <a:rPr lang="zh-CN" altLang="en-US" smtClean="0"/>
-              <a:t>2022/9/18</a:t>
+              <a:t>2022/10/6</a:t>
             </a:fld>
             <a:endParaRPr lang="zh-CN" altLang="en-US"/>
           </a:p>
@@ -9343,7 +9780,7 @@
           <a:p>
             <a:fld id="{760FBDFE-C587-4B4C-A407-44438C67B59E}" type="datetimeFigureOut">
               <a:rPr lang="zh-CN" altLang="en-US" smtClean="0"/>
-              <a:t>2022/9/18</a:t>
+              <a:t>2022/10/6</a:t>
             </a:fld>
             <a:endParaRPr lang="zh-CN" altLang="en-US"/>
           </a:p>
@@ -9785,6 +10222,3498 @@
 </file>
 
 <file path=ppt/slides/slide1.xml><?xml version="1.0" encoding="utf-8"?>
+<p:sld xmlns:a="http://schemas.openxmlformats.org/drawingml/2006/main" xmlns:r="http://schemas.openxmlformats.org/officeDocument/2006/relationships" xmlns:p="http://schemas.openxmlformats.org/presentationml/2006/main">
+  <p:cSld>
+    <p:spTree>
+      <p:nvGrpSpPr>
+        <p:cNvPr id="1" name=""/>
+        <p:cNvGrpSpPr/>
+        <p:nvPr/>
+      </p:nvGrpSpPr>
+      <p:grpSpPr>
+        <a:xfrm>
+          <a:off x="0" y="0"/>
+          <a:ext cx="0" cy="0"/>
+          <a:chOff x="0" y="0"/>
+          <a:chExt cx="0" cy="0"/>
+        </a:xfrm>
+      </p:grpSpPr>
+      <p:sp>
+        <p:nvSpPr>
+          <p:cNvPr id="38" name="矩形: 圆角 37">
+            <a:extLst>
+              <a:ext uri="{FF2B5EF4-FFF2-40B4-BE49-F238E27FC236}">
+                <a16:creationId xmlns:a16="http://schemas.microsoft.com/office/drawing/2014/main" id="{4A6B4339-055E-2A92-EE0B-CFF40DE3EEC8}"/>
+              </a:ext>
+            </a:extLst>
+          </p:cNvPr>
+          <p:cNvSpPr/>
+          <p:nvPr/>
+        </p:nvSpPr>
+        <p:spPr>
+          <a:xfrm>
+            <a:off x="3507150" y="5708651"/>
+            <a:ext cx="4677997" cy="524170"/>
+          </a:xfrm>
+          <a:prstGeom prst="roundRect">
+            <a:avLst/>
+          </a:prstGeom>
+          <a:solidFill>
+            <a:schemeClr val="accent1">
+              <a:lumMod val="20000"/>
+              <a:lumOff val="80000"/>
+            </a:schemeClr>
+          </a:solidFill>
+          <a:ln>
+            <a:noFill/>
+          </a:ln>
+        </p:spPr>
+        <p:style>
+          <a:lnRef idx="2">
+            <a:schemeClr val="accent1">
+              <a:shade val="50000"/>
+            </a:schemeClr>
+          </a:lnRef>
+          <a:fillRef idx="1">
+            <a:schemeClr val="accent1"/>
+          </a:fillRef>
+          <a:effectRef idx="0">
+            <a:schemeClr val="accent1"/>
+          </a:effectRef>
+          <a:fontRef idx="minor">
+            <a:schemeClr val="lt1"/>
+          </a:fontRef>
+        </p:style>
+        <p:txBody>
+          <a:bodyPr rtlCol="0" anchor="ctr"/>
+          <a:lstStyle/>
+          <a:p>
+            <a:pPr algn="ctr"/>
+            <a:endParaRPr lang="zh-CN" altLang="en-US"/>
+          </a:p>
+        </p:txBody>
+      </p:sp>
+      <p:cxnSp>
+        <p:nvCxnSpPr>
+          <p:cNvPr id="4" name="直接箭头连接符 3">
+            <a:extLst>
+              <a:ext uri="{FF2B5EF4-FFF2-40B4-BE49-F238E27FC236}">
+                <a16:creationId xmlns:a16="http://schemas.microsoft.com/office/drawing/2014/main" id="{3289E9F0-66DA-B8BD-11C5-E0A414FA5F24}"/>
+              </a:ext>
+            </a:extLst>
+          </p:cNvPr>
+          <p:cNvCxnSpPr>
+            <a:cxnSpLocks/>
+          </p:cNvCxnSpPr>
+          <p:nvPr/>
+        </p:nvCxnSpPr>
+        <p:spPr>
+          <a:xfrm>
+            <a:off x="2152844" y="4004726"/>
+            <a:ext cx="7638661" cy="0"/>
+          </a:xfrm>
+          <a:prstGeom prst="straightConnector1">
+            <a:avLst/>
+          </a:prstGeom>
+          <a:ln w="31750">
+            <a:headEnd w="lg" len="lg"/>
+            <a:tailEnd type="triangle"/>
+          </a:ln>
+        </p:spPr>
+        <p:style>
+          <a:lnRef idx="1">
+            <a:schemeClr val="accent1"/>
+          </a:lnRef>
+          <a:fillRef idx="0">
+            <a:schemeClr val="accent1"/>
+          </a:fillRef>
+          <a:effectRef idx="0">
+            <a:schemeClr val="accent1"/>
+          </a:effectRef>
+          <a:fontRef idx="minor">
+            <a:schemeClr val="tx1"/>
+          </a:fontRef>
+        </p:style>
+      </p:cxnSp>
+      <p:sp>
+        <p:nvSpPr>
+          <p:cNvPr id="5" name="文本框 10">
+            <a:extLst>
+              <a:ext uri="{FF2B5EF4-FFF2-40B4-BE49-F238E27FC236}">
+                <a16:creationId xmlns:a16="http://schemas.microsoft.com/office/drawing/2014/main" id="{C7BCF5DF-1D72-0065-1279-F1F2E7E13062}"/>
+              </a:ext>
+            </a:extLst>
+          </p:cNvPr>
+          <p:cNvSpPr txBox="1"/>
+          <p:nvPr/>
+        </p:nvSpPr>
+        <p:spPr>
+          <a:xfrm>
+            <a:off x="9210675" y="4139942"/>
+            <a:ext cx="742950" cy="369332"/>
+          </a:xfrm>
+          <a:prstGeom prst="rect">
+            <a:avLst/>
+          </a:prstGeom>
+          <a:noFill/>
+        </p:spPr>
+        <p:txBody>
+          <a:bodyPr wrap="square" rtlCol="0">
+            <a:spAutoFit/>
+          </a:bodyPr>
+          <a:lstStyle>
+            <a:defPPr>
+              <a:defRPr lang="zh-CN"/>
+            </a:defPPr>
+            <a:lvl1pPr marL="0" algn="l" defTabSz="914400" rtl="0" eaLnBrk="1" latinLnBrk="0" hangingPunct="1">
+              <a:defRPr sz="1800" kern="1200">
+                <a:solidFill>
+                  <a:schemeClr val="tx1"/>
+                </a:solidFill>
+                <a:latin typeface="+mn-lt"/>
+                <a:ea typeface="+mn-ea"/>
+                <a:cs typeface="+mn-cs"/>
+              </a:defRPr>
+            </a:lvl1pPr>
+            <a:lvl2pPr marL="457200" algn="l" defTabSz="914400" rtl="0" eaLnBrk="1" latinLnBrk="0" hangingPunct="1">
+              <a:defRPr sz="1800" kern="1200">
+                <a:solidFill>
+                  <a:schemeClr val="tx1"/>
+                </a:solidFill>
+                <a:latin typeface="+mn-lt"/>
+                <a:ea typeface="+mn-ea"/>
+                <a:cs typeface="+mn-cs"/>
+              </a:defRPr>
+            </a:lvl2pPr>
+            <a:lvl3pPr marL="914400" algn="l" defTabSz="914400" rtl="0" eaLnBrk="1" latinLnBrk="0" hangingPunct="1">
+              <a:defRPr sz="1800" kern="1200">
+                <a:solidFill>
+                  <a:schemeClr val="tx1"/>
+                </a:solidFill>
+                <a:latin typeface="+mn-lt"/>
+                <a:ea typeface="+mn-ea"/>
+                <a:cs typeface="+mn-cs"/>
+              </a:defRPr>
+            </a:lvl3pPr>
+            <a:lvl4pPr marL="1371600" algn="l" defTabSz="914400" rtl="0" eaLnBrk="1" latinLnBrk="0" hangingPunct="1">
+              <a:defRPr sz="1800" kern="1200">
+                <a:solidFill>
+                  <a:schemeClr val="tx1"/>
+                </a:solidFill>
+                <a:latin typeface="+mn-lt"/>
+                <a:ea typeface="+mn-ea"/>
+                <a:cs typeface="+mn-cs"/>
+              </a:defRPr>
+            </a:lvl4pPr>
+            <a:lvl5pPr marL="1828800" algn="l" defTabSz="914400" rtl="0" eaLnBrk="1" latinLnBrk="0" hangingPunct="1">
+              <a:defRPr sz="1800" kern="1200">
+                <a:solidFill>
+                  <a:schemeClr val="tx1"/>
+                </a:solidFill>
+                <a:latin typeface="+mn-lt"/>
+                <a:ea typeface="+mn-ea"/>
+                <a:cs typeface="+mn-cs"/>
+              </a:defRPr>
+            </a:lvl5pPr>
+            <a:lvl6pPr marL="2286000" algn="l" defTabSz="914400" rtl="0" eaLnBrk="1" latinLnBrk="0" hangingPunct="1">
+              <a:defRPr sz="1800" kern="1200">
+                <a:solidFill>
+                  <a:schemeClr val="tx1"/>
+                </a:solidFill>
+                <a:latin typeface="+mn-lt"/>
+                <a:ea typeface="+mn-ea"/>
+                <a:cs typeface="+mn-cs"/>
+              </a:defRPr>
+            </a:lvl6pPr>
+            <a:lvl7pPr marL="2743200" algn="l" defTabSz="914400" rtl="0" eaLnBrk="1" latinLnBrk="0" hangingPunct="1">
+              <a:defRPr sz="1800" kern="1200">
+                <a:solidFill>
+                  <a:schemeClr val="tx1"/>
+                </a:solidFill>
+                <a:latin typeface="+mn-lt"/>
+                <a:ea typeface="+mn-ea"/>
+                <a:cs typeface="+mn-cs"/>
+              </a:defRPr>
+            </a:lvl7pPr>
+            <a:lvl8pPr marL="3200400" algn="l" defTabSz="914400" rtl="0" eaLnBrk="1" latinLnBrk="0" hangingPunct="1">
+              <a:defRPr sz="1800" kern="1200">
+                <a:solidFill>
+                  <a:schemeClr val="tx1"/>
+                </a:solidFill>
+                <a:latin typeface="+mn-lt"/>
+                <a:ea typeface="+mn-ea"/>
+                <a:cs typeface="+mn-cs"/>
+              </a:defRPr>
+            </a:lvl8pPr>
+            <a:lvl9pPr marL="3657600" algn="l" defTabSz="914400" rtl="0" eaLnBrk="1" latinLnBrk="0" hangingPunct="1">
+              <a:defRPr sz="1800" kern="1200">
+                <a:solidFill>
+                  <a:schemeClr val="tx1"/>
+                </a:solidFill>
+                <a:latin typeface="+mn-lt"/>
+                <a:ea typeface="+mn-ea"/>
+                <a:cs typeface="+mn-cs"/>
+              </a:defRPr>
+            </a:lvl9pPr>
+          </a:lstStyle>
+          <a:p>
+            <a:r>
+              <a:rPr lang="en-US" altLang="zh-CN" dirty="0">
+                <a:latin typeface="Times New Roman" panose="02020603050405020304" pitchFamily="18" charset="0"/>
+                <a:cs typeface="Times New Roman" panose="02020603050405020304" pitchFamily="18" charset="0"/>
+              </a:rPr>
+              <a:t>Time</a:t>
+            </a:r>
+            <a:endParaRPr lang="zh-CN" altLang="en-US" dirty="0">
+              <a:latin typeface="Times New Roman" panose="02020603050405020304" pitchFamily="18" charset="0"/>
+              <a:cs typeface="Times New Roman" panose="02020603050405020304" pitchFamily="18" charset="0"/>
+            </a:endParaRPr>
+          </a:p>
+        </p:txBody>
+      </p:sp>
+      <p:sp>
+        <p:nvSpPr>
+          <p:cNvPr id="6" name="文本框 11">
+            <a:extLst>
+              <a:ext uri="{FF2B5EF4-FFF2-40B4-BE49-F238E27FC236}">
+                <a16:creationId xmlns:a16="http://schemas.microsoft.com/office/drawing/2014/main" id="{F8DFF15A-3FC3-E350-DBD5-2EE4A23BB8F4}"/>
+              </a:ext>
+            </a:extLst>
+          </p:cNvPr>
+          <p:cNvSpPr txBox="1"/>
+          <p:nvPr/>
+        </p:nvSpPr>
+        <p:spPr>
+          <a:xfrm>
+            <a:off x="3113185" y="2410190"/>
+            <a:ext cx="956603" cy="369332"/>
+          </a:xfrm>
+          <a:prstGeom prst="rect">
+            <a:avLst/>
+          </a:prstGeom>
+          <a:noFill/>
+        </p:spPr>
+        <p:txBody>
+          <a:bodyPr wrap="square" rtlCol="0">
+            <a:spAutoFit/>
+          </a:bodyPr>
+          <a:lstStyle>
+            <a:defPPr>
+              <a:defRPr lang="zh-CN"/>
+            </a:defPPr>
+            <a:lvl1pPr marL="0" algn="l" defTabSz="914400" rtl="0" eaLnBrk="1" latinLnBrk="0" hangingPunct="1">
+              <a:defRPr sz="1800" kern="1200">
+                <a:solidFill>
+                  <a:schemeClr val="tx1"/>
+                </a:solidFill>
+                <a:latin typeface="+mn-lt"/>
+                <a:ea typeface="+mn-ea"/>
+                <a:cs typeface="+mn-cs"/>
+              </a:defRPr>
+            </a:lvl1pPr>
+            <a:lvl2pPr marL="457200" algn="l" defTabSz="914400" rtl="0" eaLnBrk="1" latinLnBrk="0" hangingPunct="1">
+              <a:defRPr sz="1800" kern="1200">
+                <a:solidFill>
+                  <a:schemeClr val="tx1"/>
+                </a:solidFill>
+                <a:latin typeface="+mn-lt"/>
+                <a:ea typeface="+mn-ea"/>
+                <a:cs typeface="+mn-cs"/>
+              </a:defRPr>
+            </a:lvl2pPr>
+            <a:lvl3pPr marL="914400" algn="l" defTabSz="914400" rtl="0" eaLnBrk="1" latinLnBrk="0" hangingPunct="1">
+              <a:defRPr sz="1800" kern="1200">
+                <a:solidFill>
+                  <a:schemeClr val="tx1"/>
+                </a:solidFill>
+                <a:latin typeface="+mn-lt"/>
+                <a:ea typeface="+mn-ea"/>
+                <a:cs typeface="+mn-cs"/>
+              </a:defRPr>
+            </a:lvl3pPr>
+            <a:lvl4pPr marL="1371600" algn="l" defTabSz="914400" rtl="0" eaLnBrk="1" latinLnBrk="0" hangingPunct="1">
+              <a:defRPr sz="1800" kern="1200">
+                <a:solidFill>
+                  <a:schemeClr val="tx1"/>
+                </a:solidFill>
+                <a:latin typeface="+mn-lt"/>
+                <a:ea typeface="+mn-ea"/>
+                <a:cs typeface="+mn-cs"/>
+              </a:defRPr>
+            </a:lvl4pPr>
+            <a:lvl5pPr marL="1828800" algn="l" defTabSz="914400" rtl="0" eaLnBrk="1" latinLnBrk="0" hangingPunct="1">
+              <a:defRPr sz="1800" kern="1200">
+                <a:solidFill>
+                  <a:schemeClr val="tx1"/>
+                </a:solidFill>
+                <a:latin typeface="+mn-lt"/>
+                <a:ea typeface="+mn-ea"/>
+                <a:cs typeface="+mn-cs"/>
+              </a:defRPr>
+            </a:lvl5pPr>
+            <a:lvl6pPr marL="2286000" algn="l" defTabSz="914400" rtl="0" eaLnBrk="1" latinLnBrk="0" hangingPunct="1">
+              <a:defRPr sz="1800" kern="1200">
+                <a:solidFill>
+                  <a:schemeClr val="tx1"/>
+                </a:solidFill>
+                <a:latin typeface="+mn-lt"/>
+                <a:ea typeface="+mn-ea"/>
+                <a:cs typeface="+mn-cs"/>
+              </a:defRPr>
+            </a:lvl6pPr>
+            <a:lvl7pPr marL="2743200" algn="l" defTabSz="914400" rtl="0" eaLnBrk="1" latinLnBrk="0" hangingPunct="1">
+              <a:defRPr sz="1800" kern="1200">
+                <a:solidFill>
+                  <a:schemeClr val="tx1"/>
+                </a:solidFill>
+                <a:latin typeface="+mn-lt"/>
+                <a:ea typeface="+mn-ea"/>
+                <a:cs typeface="+mn-cs"/>
+              </a:defRPr>
+            </a:lvl7pPr>
+            <a:lvl8pPr marL="3200400" algn="l" defTabSz="914400" rtl="0" eaLnBrk="1" latinLnBrk="0" hangingPunct="1">
+              <a:defRPr sz="1800" kern="1200">
+                <a:solidFill>
+                  <a:schemeClr val="tx1"/>
+                </a:solidFill>
+                <a:latin typeface="+mn-lt"/>
+                <a:ea typeface="+mn-ea"/>
+                <a:cs typeface="+mn-cs"/>
+              </a:defRPr>
+            </a:lvl8pPr>
+            <a:lvl9pPr marL="3657600" algn="l" defTabSz="914400" rtl="0" eaLnBrk="1" latinLnBrk="0" hangingPunct="1">
+              <a:defRPr sz="1800" kern="1200">
+                <a:solidFill>
+                  <a:schemeClr val="tx1"/>
+                </a:solidFill>
+                <a:latin typeface="+mn-lt"/>
+                <a:ea typeface="+mn-ea"/>
+                <a:cs typeface="+mn-cs"/>
+              </a:defRPr>
+            </a:lvl9pPr>
+          </a:lstStyle>
+          <a:p>
+            <a:r>
+              <a:rPr lang="zh-CN" altLang="en-US" dirty="0">
+                <a:latin typeface="+mj-ea"/>
+                <a:ea typeface="+mj-ea"/>
+              </a:rPr>
+              <a:t>未风化</a:t>
+            </a:r>
+          </a:p>
+        </p:txBody>
+      </p:sp>
+      <p:sp>
+        <p:nvSpPr>
+          <p:cNvPr id="7" name="文本框 12">
+            <a:extLst>
+              <a:ext uri="{FF2B5EF4-FFF2-40B4-BE49-F238E27FC236}">
+                <a16:creationId xmlns:a16="http://schemas.microsoft.com/office/drawing/2014/main" id="{A7E4B13E-B7BB-B0A5-5477-CE394ECE3E9B}"/>
+              </a:ext>
+            </a:extLst>
+          </p:cNvPr>
+          <p:cNvSpPr txBox="1"/>
+          <p:nvPr/>
+        </p:nvSpPr>
+        <p:spPr>
+          <a:xfrm>
+            <a:off x="7475176" y="2348726"/>
+            <a:ext cx="777875" cy="369332"/>
+          </a:xfrm>
+          <a:prstGeom prst="rect">
+            <a:avLst/>
+          </a:prstGeom>
+          <a:noFill/>
+        </p:spPr>
+        <p:txBody>
+          <a:bodyPr wrap="square" rtlCol="0">
+            <a:spAutoFit/>
+          </a:bodyPr>
+          <a:lstStyle>
+            <a:defPPr>
+              <a:defRPr lang="zh-CN"/>
+            </a:defPPr>
+            <a:lvl1pPr marL="0" algn="l" defTabSz="914400" rtl="0" eaLnBrk="1" latinLnBrk="0" hangingPunct="1">
+              <a:defRPr sz="1800" kern="1200">
+                <a:solidFill>
+                  <a:schemeClr val="tx1"/>
+                </a:solidFill>
+                <a:latin typeface="+mn-lt"/>
+                <a:ea typeface="+mn-ea"/>
+                <a:cs typeface="+mn-cs"/>
+              </a:defRPr>
+            </a:lvl1pPr>
+            <a:lvl2pPr marL="457200" algn="l" defTabSz="914400" rtl="0" eaLnBrk="1" latinLnBrk="0" hangingPunct="1">
+              <a:defRPr sz="1800" kern="1200">
+                <a:solidFill>
+                  <a:schemeClr val="tx1"/>
+                </a:solidFill>
+                <a:latin typeface="+mn-lt"/>
+                <a:ea typeface="+mn-ea"/>
+                <a:cs typeface="+mn-cs"/>
+              </a:defRPr>
+            </a:lvl2pPr>
+            <a:lvl3pPr marL="914400" algn="l" defTabSz="914400" rtl="0" eaLnBrk="1" latinLnBrk="0" hangingPunct="1">
+              <a:defRPr sz="1800" kern="1200">
+                <a:solidFill>
+                  <a:schemeClr val="tx1"/>
+                </a:solidFill>
+                <a:latin typeface="+mn-lt"/>
+                <a:ea typeface="+mn-ea"/>
+                <a:cs typeface="+mn-cs"/>
+              </a:defRPr>
+            </a:lvl3pPr>
+            <a:lvl4pPr marL="1371600" algn="l" defTabSz="914400" rtl="0" eaLnBrk="1" latinLnBrk="0" hangingPunct="1">
+              <a:defRPr sz="1800" kern="1200">
+                <a:solidFill>
+                  <a:schemeClr val="tx1"/>
+                </a:solidFill>
+                <a:latin typeface="+mn-lt"/>
+                <a:ea typeface="+mn-ea"/>
+                <a:cs typeface="+mn-cs"/>
+              </a:defRPr>
+            </a:lvl4pPr>
+            <a:lvl5pPr marL="1828800" algn="l" defTabSz="914400" rtl="0" eaLnBrk="1" latinLnBrk="0" hangingPunct="1">
+              <a:defRPr sz="1800" kern="1200">
+                <a:solidFill>
+                  <a:schemeClr val="tx1"/>
+                </a:solidFill>
+                <a:latin typeface="+mn-lt"/>
+                <a:ea typeface="+mn-ea"/>
+                <a:cs typeface="+mn-cs"/>
+              </a:defRPr>
+            </a:lvl5pPr>
+            <a:lvl6pPr marL="2286000" algn="l" defTabSz="914400" rtl="0" eaLnBrk="1" latinLnBrk="0" hangingPunct="1">
+              <a:defRPr sz="1800" kern="1200">
+                <a:solidFill>
+                  <a:schemeClr val="tx1"/>
+                </a:solidFill>
+                <a:latin typeface="+mn-lt"/>
+                <a:ea typeface="+mn-ea"/>
+                <a:cs typeface="+mn-cs"/>
+              </a:defRPr>
+            </a:lvl6pPr>
+            <a:lvl7pPr marL="2743200" algn="l" defTabSz="914400" rtl="0" eaLnBrk="1" latinLnBrk="0" hangingPunct="1">
+              <a:defRPr sz="1800" kern="1200">
+                <a:solidFill>
+                  <a:schemeClr val="tx1"/>
+                </a:solidFill>
+                <a:latin typeface="+mn-lt"/>
+                <a:ea typeface="+mn-ea"/>
+                <a:cs typeface="+mn-cs"/>
+              </a:defRPr>
+            </a:lvl7pPr>
+            <a:lvl8pPr marL="3200400" algn="l" defTabSz="914400" rtl="0" eaLnBrk="1" latinLnBrk="0" hangingPunct="1">
+              <a:defRPr sz="1800" kern="1200">
+                <a:solidFill>
+                  <a:schemeClr val="tx1"/>
+                </a:solidFill>
+                <a:latin typeface="+mn-lt"/>
+                <a:ea typeface="+mn-ea"/>
+                <a:cs typeface="+mn-cs"/>
+              </a:defRPr>
+            </a:lvl8pPr>
+            <a:lvl9pPr marL="3657600" algn="l" defTabSz="914400" rtl="0" eaLnBrk="1" latinLnBrk="0" hangingPunct="1">
+              <a:defRPr sz="1800" kern="1200">
+                <a:solidFill>
+                  <a:schemeClr val="tx1"/>
+                </a:solidFill>
+                <a:latin typeface="+mn-lt"/>
+                <a:ea typeface="+mn-ea"/>
+                <a:cs typeface="+mn-cs"/>
+              </a:defRPr>
+            </a:lvl9pPr>
+          </a:lstStyle>
+          <a:p>
+            <a:r>
+              <a:rPr lang="zh-CN" altLang="en-US" dirty="0">
+                <a:latin typeface="+mj-ea"/>
+                <a:ea typeface="+mj-ea"/>
+              </a:rPr>
+              <a:t>风化</a:t>
+            </a:r>
+          </a:p>
+        </p:txBody>
+      </p:sp>
+      <p:cxnSp>
+        <p:nvCxnSpPr>
+          <p:cNvPr id="23" name="直接连接符 22">
+            <a:extLst>
+              <a:ext uri="{FF2B5EF4-FFF2-40B4-BE49-F238E27FC236}">
+                <a16:creationId xmlns:a16="http://schemas.microsoft.com/office/drawing/2014/main" id="{E0D4E3E3-A6CC-0AF7-1A8E-D496BE618B68}"/>
+              </a:ext>
+            </a:extLst>
+          </p:cNvPr>
+          <p:cNvCxnSpPr>
+            <a:cxnSpLocks/>
+          </p:cNvCxnSpPr>
+          <p:nvPr/>
+        </p:nvCxnSpPr>
+        <p:spPr>
+          <a:xfrm>
+            <a:off x="5832475" y="1974850"/>
+            <a:ext cx="0" cy="3390900"/>
+          </a:xfrm>
+          <a:prstGeom prst="line">
+            <a:avLst/>
+          </a:prstGeom>
+          <a:ln w="22225">
+            <a:solidFill>
+              <a:srgbClr val="FF0000"/>
+            </a:solidFill>
+            <a:prstDash val="sysDash"/>
+          </a:ln>
+        </p:spPr>
+        <p:style>
+          <a:lnRef idx="1">
+            <a:schemeClr val="accent1"/>
+          </a:lnRef>
+          <a:fillRef idx="0">
+            <a:schemeClr val="accent1"/>
+          </a:fillRef>
+          <a:effectRef idx="0">
+            <a:schemeClr val="accent1"/>
+          </a:effectRef>
+          <a:fontRef idx="minor">
+            <a:schemeClr val="tx1"/>
+          </a:fontRef>
+        </p:style>
+      </p:cxnSp>
+      <p:sp>
+        <p:nvSpPr>
+          <p:cNvPr id="8" name="椭圆 7">
+            <a:extLst>
+              <a:ext uri="{FF2B5EF4-FFF2-40B4-BE49-F238E27FC236}">
+                <a16:creationId xmlns:a16="http://schemas.microsoft.com/office/drawing/2014/main" id="{0BD78D9E-4C38-2FD1-2C5E-537B3DCF61D6}"/>
+              </a:ext>
+            </a:extLst>
+          </p:cNvPr>
+          <p:cNvSpPr/>
+          <p:nvPr/>
+        </p:nvSpPr>
+        <p:spPr>
+          <a:xfrm>
+            <a:off x="2276475" y="3959521"/>
+            <a:ext cx="114299" cy="104477"/>
+          </a:xfrm>
+          <a:prstGeom prst="ellipse">
+            <a:avLst/>
+          </a:prstGeom>
+        </p:spPr>
+        <p:style>
+          <a:lnRef idx="2">
+            <a:schemeClr val="accent1">
+              <a:shade val="50000"/>
+            </a:schemeClr>
+          </a:lnRef>
+          <a:fillRef idx="1">
+            <a:schemeClr val="accent1"/>
+          </a:fillRef>
+          <a:effectRef idx="0">
+            <a:schemeClr val="accent1"/>
+          </a:effectRef>
+          <a:fontRef idx="minor">
+            <a:schemeClr val="lt1"/>
+          </a:fontRef>
+        </p:style>
+        <p:txBody>
+          <a:bodyPr rtlCol="0" anchor="ctr"/>
+          <a:lstStyle>
+            <a:defPPr>
+              <a:defRPr lang="zh-CN"/>
+            </a:defPPr>
+            <a:lvl1pPr marL="0" algn="l" defTabSz="914400" rtl="0" eaLnBrk="1" latinLnBrk="0" hangingPunct="1">
+              <a:defRPr sz="1800" kern="1200">
+                <a:solidFill>
+                  <a:schemeClr val="lt1"/>
+                </a:solidFill>
+                <a:latin typeface="+mn-lt"/>
+                <a:ea typeface="+mn-ea"/>
+                <a:cs typeface="+mn-cs"/>
+              </a:defRPr>
+            </a:lvl1pPr>
+            <a:lvl2pPr marL="457200" algn="l" defTabSz="914400" rtl="0" eaLnBrk="1" latinLnBrk="0" hangingPunct="1">
+              <a:defRPr sz="1800" kern="1200">
+                <a:solidFill>
+                  <a:schemeClr val="lt1"/>
+                </a:solidFill>
+                <a:latin typeface="+mn-lt"/>
+                <a:ea typeface="+mn-ea"/>
+                <a:cs typeface="+mn-cs"/>
+              </a:defRPr>
+            </a:lvl2pPr>
+            <a:lvl3pPr marL="914400" algn="l" defTabSz="914400" rtl="0" eaLnBrk="1" latinLnBrk="0" hangingPunct="1">
+              <a:defRPr sz="1800" kern="1200">
+                <a:solidFill>
+                  <a:schemeClr val="lt1"/>
+                </a:solidFill>
+                <a:latin typeface="+mn-lt"/>
+                <a:ea typeface="+mn-ea"/>
+                <a:cs typeface="+mn-cs"/>
+              </a:defRPr>
+            </a:lvl3pPr>
+            <a:lvl4pPr marL="1371600" algn="l" defTabSz="914400" rtl="0" eaLnBrk="1" latinLnBrk="0" hangingPunct="1">
+              <a:defRPr sz="1800" kern="1200">
+                <a:solidFill>
+                  <a:schemeClr val="lt1"/>
+                </a:solidFill>
+                <a:latin typeface="+mn-lt"/>
+                <a:ea typeface="+mn-ea"/>
+                <a:cs typeface="+mn-cs"/>
+              </a:defRPr>
+            </a:lvl4pPr>
+            <a:lvl5pPr marL="1828800" algn="l" defTabSz="914400" rtl="0" eaLnBrk="1" latinLnBrk="0" hangingPunct="1">
+              <a:defRPr sz="1800" kern="1200">
+                <a:solidFill>
+                  <a:schemeClr val="lt1"/>
+                </a:solidFill>
+                <a:latin typeface="+mn-lt"/>
+                <a:ea typeface="+mn-ea"/>
+                <a:cs typeface="+mn-cs"/>
+              </a:defRPr>
+            </a:lvl5pPr>
+            <a:lvl6pPr marL="2286000" algn="l" defTabSz="914400" rtl="0" eaLnBrk="1" latinLnBrk="0" hangingPunct="1">
+              <a:defRPr sz="1800" kern="1200">
+                <a:solidFill>
+                  <a:schemeClr val="lt1"/>
+                </a:solidFill>
+                <a:latin typeface="+mn-lt"/>
+                <a:ea typeface="+mn-ea"/>
+                <a:cs typeface="+mn-cs"/>
+              </a:defRPr>
+            </a:lvl6pPr>
+            <a:lvl7pPr marL="2743200" algn="l" defTabSz="914400" rtl="0" eaLnBrk="1" latinLnBrk="0" hangingPunct="1">
+              <a:defRPr sz="1800" kern="1200">
+                <a:solidFill>
+                  <a:schemeClr val="lt1"/>
+                </a:solidFill>
+                <a:latin typeface="+mn-lt"/>
+                <a:ea typeface="+mn-ea"/>
+                <a:cs typeface="+mn-cs"/>
+              </a:defRPr>
+            </a:lvl7pPr>
+            <a:lvl8pPr marL="3200400" algn="l" defTabSz="914400" rtl="0" eaLnBrk="1" latinLnBrk="0" hangingPunct="1">
+              <a:defRPr sz="1800" kern="1200">
+                <a:solidFill>
+                  <a:schemeClr val="lt1"/>
+                </a:solidFill>
+                <a:latin typeface="+mn-lt"/>
+                <a:ea typeface="+mn-ea"/>
+                <a:cs typeface="+mn-cs"/>
+              </a:defRPr>
+            </a:lvl8pPr>
+            <a:lvl9pPr marL="3657600" algn="l" defTabSz="914400" rtl="0" eaLnBrk="1" latinLnBrk="0" hangingPunct="1">
+              <a:defRPr sz="1800" kern="1200">
+                <a:solidFill>
+                  <a:schemeClr val="lt1"/>
+                </a:solidFill>
+                <a:latin typeface="+mn-lt"/>
+                <a:ea typeface="+mn-ea"/>
+                <a:cs typeface="+mn-cs"/>
+              </a:defRPr>
+            </a:lvl9pPr>
+          </a:lstStyle>
+          <a:p>
+            <a:pPr algn="ctr"/>
+            <a:endParaRPr lang="zh-CN" altLang="en-US"/>
+          </a:p>
+        </p:txBody>
+      </p:sp>
+      <p:sp>
+        <p:nvSpPr>
+          <p:cNvPr id="9" name="椭圆 8">
+            <a:extLst>
+              <a:ext uri="{FF2B5EF4-FFF2-40B4-BE49-F238E27FC236}">
+                <a16:creationId xmlns:a16="http://schemas.microsoft.com/office/drawing/2014/main" id="{5D6A81DE-4389-39BE-65FE-C657773E3C7E}"/>
+              </a:ext>
+            </a:extLst>
+          </p:cNvPr>
+          <p:cNvSpPr/>
+          <p:nvPr/>
+        </p:nvSpPr>
+        <p:spPr>
+          <a:xfrm>
+            <a:off x="2483240" y="3959521"/>
+            <a:ext cx="114299" cy="104477"/>
+          </a:xfrm>
+          <a:prstGeom prst="ellipse">
+            <a:avLst/>
+          </a:prstGeom>
+        </p:spPr>
+        <p:style>
+          <a:lnRef idx="2">
+            <a:schemeClr val="accent1">
+              <a:shade val="50000"/>
+            </a:schemeClr>
+          </a:lnRef>
+          <a:fillRef idx="1">
+            <a:schemeClr val="accent1"/>
+          </a:fillRef>
+          <a:effectRef idx="0">
+            <a:schemeClr val="accent1"/>
+          </a:effectRef>
+          <a:fontRef idx="minor">
+            <a:schemeClr val="lt1"/>
+          </a:fontRef>
+        </p:style>
+        <p:txBody>
+          <a:bodyPr rtlCol="0" anchor="ctr"/>
+          <a:lstStyle>
+            <a:defPPr>
+              <a:defRPr lang="zh-CN"/>
+            </a:defPPr>
+            <a:lvl1pPr marL="0" algn="l" defTabSz="914400" rtl="0" eaLnBrk="1" latinLnBrk="0" hangingPunct="1">
+              <a:defRPr sz="1800" kern="1200">
+                <a:solidFill>
+                  <a:schemeClr val="lt1"/>
+                </a:solidFill>
+                <a:latin typeface="+mn-lt"/>
+                <a:ea typeface="+mn-ea"/>
+                <a:cs typeface="+mn-cs"/>
+              </a:defRPr>
+            </a:lvl1pPr>
+            <a:lvl2pPr marL="457200" algn="l" defTabSz="914400" rtl="0" eaLnBrk="1" latinLnBrk="0" hangingPunct="1">
+              <a:defRPr sz="1800" kern="1200">
+                <a:solidFill>
+                  <a:schemeClr val="lt1"/>
+                </a:solidFill>
+                <a:latin typeface="+mn-lt"/>
+                <a:ea typeface="+mn-ea"/>
+                <a:cs typeface="+mn-cs"/>
+              </a:defRPr>
+            </a:lvl2pPr>
+            <a:lvl3pPr marL="914400" algn="l" defTabSz="914400" rtl="0" eaLnBrk="1" latinLnBrk="0" hangingPunct="1">
+              <a:defRPr sz="1800" kern="1200">
+                <a:solidFill>
+                  <a:schemeClr val="lt1"/>
+                </a:solidFill>
+                <a:latin typeface="+mn-lt"/>
+                <a:ea typeface="+mn-ea"/>
+                <a:cs typeface="+mn-cs"/>
+              </a:defRPr>
+            </a:lvl3pPr>
+            <a:lvl4pPr marL="1371600" algn="l" defTabSz="914400" rtl="0" eaLnBrk="1" latinLnBrk="0" hangingPunct="1">
+              <a:defRPr sz="1800" kern="1200">
+                <a:solidFill>
+                  <a:schemeClr val="lt1"/>
+                </a:solidFill>
+                <a:latin typeface="+mn-lt"/>
+                <a:ea typeface="+mn-ea"/>
+                <a:cs typeface="+mn-cs"/>
+              </a:defRPr>
+            </a:lvl4pPr>
+            <a:lvl5pPr marL="1828800" algn="l" defTabSz="914400" rtl="0" eaLnBrk="1" latinLnBrk="0" hangingPunct="1">
+              <a:defRPr sz="1800" kern="1200">
+                <a:solidFill>
+                  <a:schemeClr val="lt1"/>
+                </a:solidFill>
+                <a:latin typeface="+mn-lt"/>
+                <a:ea typeface="+mn-ea"/>
+                <a:cs typeface="+mn-cs"/>
+              </a:defRPr>
+            </a:lvl5pPr>
+            <a:lvl6pPr marL="2286000" algn="l" defTabSz="914400" rtl="0" eaLnBrk="1" latinLnBrk="0" hangingPunct="1">
+              <a:defRPr sz="1800" kern="1200">
+                <a:solidFill>
+                  <a:schemeClr val="lt1"/>
+                </a:solidFill>
+                <a:latin typeface="+mn-lt"/>
+                <a:ea typeface="+mn-ea"/>
+                <a:cs typeface="+mn-cs"/>
+              </a:defRPr>
+            </a:lvl6pPr>
+            <a:lvl7pPr marL="2743200" algn="l" defTabSz="914400" rtl="0" eaLnBrk="1" latinLnBrk="0" hangingPunct="1">
+              <a:defRPr sz="1800" kern="1200">
+                <a:solidFill>
+                  <a:schemeClr val="lt1"/>
+                </a:solidFill>
+                <a:latin typeface="+mn-lt"/>
+                <a:ea typeface="+mn-ea"/>
+                <a:cs typeface="+mn-cs"/>
+              </a:defRPr>
+            </a:lvl7pPr>
+            <a:lvl8pPr marL="3200400" algn="l" defTabSz="914400" rtl="0" eaLnBrk="1" latinLnBrk="0" hangingPunct="1">
+              <a:defRPr sz="1800" kern="1200">
+                <a:solidFill>
+                  <a:schemeClr val="lt1"/>
+                </a:solidFill>
+                <a:latin typeface="+mn-lt"/>
+                <a:ea typeface="+mn-ea"/>
+                <a:cs typeface="+mn-cs"/>
+              </a:defRPr>
+            </a:lvl8pPr>
+            <a:lvl9pPr marL="3657600" algn="l" defTabSz="914400" rtl="0" eaLnBrk="1" latinLnBrk="0" hangingPunct="1">
+              <a:defRPr sz="1800" kern="1200">
+                <a:solidFill>
+                  <a:schemeClr val="lt1"/>
+                </a:solidFill>
+                <a:latin typeface="+mn-lt"/>
+                <a:ea typeface="+mn-ea"/>
+                <a:cs typeface="+mn-cs"/>
+              </a:defRPr>
+            </a:lvl9pPr>
+          </a:lstStyle>
+          <a:p>
+            <a:pPr algn="ctr"/>
+            <a:endParaRPr lang="zh-CN" altLang="en-US"/>
+          </a:p>
+        </p:txBody>
+      </p:sp>
+      <p:sp>
+        <p:nvSpPr>
+          <p:cNvPr id="10" name="椭圆 9">
+            <a:extLst>
+              <a:ext uri="{FF2B5EF4-FFF2-40B4-BE49-F238E27FC236}">
+                <a16:creationId xmlns:a16="http://schemas.microsoft.com/office/drawing/2014/main" id="{39F71DB9-7613-1584-6C8F-FD14D1B96A7F}"/>
+              </a:ext>
+            </a:extLst>
+          </p:cNvPr>
+          <p:cNvSpPr/>
+          <p:nvPr/>
+        </p:nvSpPr>
+        <p:spPr>
+          <a:xfrm>
+            <a:off x="3297600" y="3959521"/>
+            <a:ext cx="114299" cy="104477"/>
+          </a:xfrm>
+          <a:prstGeom prst="ellipse">
+            <a:avLst/>
+          </a:prstGeom>
+        </p:spPr>
+        <p:style>
+          <a:lnRef idx="2">
+            <a:schemeClr val="accent1">
+              <a:shade val="50000"/>
+            </a:schemeClr>
+          </a:lnRef>
+          <a:fillRef idx="1">
+            <a:schemeClr val="accent1"/>
+          </a:fillRef>
+          <a:effectRef idx="0">
+            <a:schemeClr val="accent1"/>
+          </a:effectRef>
+          <a:fontRef idx="minor">
+            <a:schemeClr val="lt1"/>
+          </a:fontRef>
+        </p:style>
+        <p:txBody>
+          <a:bodyPr rtlCol="0" anchor="ctr"/>
+          <a:lstStyle>
+            <a:defPPr>
+              <a:defRPr lang="zh-CN"/>
+            </a:defPPr>
+            <a:lvl1pPr marL="0" algn="l" defTabSz="914400" rtl="0" eaLnBrk="1" latinLnBrk="0" hangingPunct="1">
+              <a:defRPr sz="1800" kern="1200">
+                <a:solidFill>
+                  <a:schemeClr val="lt1"/>
+                </a:solidFill>
+                <a:latin typeface="+mn-lt"/>
+                <a:ea typeface="+mn-ea"/>
+                <a:cs typeface="+mn-cs"/>
+              </a:defRPr>
+            </a:lvl1pPr>
+            <a:lvl2pPr marL="457200" algn="l" defTabSz="914400" rtl="0" eaLnBrk="1" latinLnBrk="0" hangingPunct="1">
+              <a:defRPr sz="1800" kern="1200">
+                <a:solidFill>
+                  <a:schemeClr val="lt1"/>
+                </a:solidFill>
+                <a:latin typeface="+mn-lt"/>
+                <a:ea typeface="+mn-ea"/>
+                <a:cs typeface="+mn-cs"/>
+              </a:defRPr>
+            </a:lvl2pPr>
+            <a:lvl3pPr marL="914400" algn="l" defTabSz="914400" rtl="0" eaLnBrk="1" latinLnBrk="0" hangingPunct="1">
+              <a:defRPr sz="1800" kern="1200">
+                <a:solidFill>
+                  <a:schemeClr val="lt1"/>
+                </a:solidFill>
+                <a:latin typeface="+mn-lt"/>
+                <a:ea typeface="+mn-ea"/>
+                <a:cs typeface="+mn-cs"/>
+              </a:defRPr>
+            </a:lvl3pPr>
+            <a:lvl4pPr marL="1371600" algn="l" defTabSz="914400" rtl="0" eaLnBrk="1" latinLnBrk="0" hangingPunct="1">
+              <a:defRPr sz="1800" kern="1200">
+                <a:solidFill>
+                  <a:schemeClr val="lt1"/>
+                </a:solidFill>
+                <a:latin typeface="+mn-lt"/>
+                <a:ea typeface="+mn-ea"/>
+                <a:cs typeface="+mn-cs"/>
+              </a:defRPr>
+            </a:lvl4pPr>
+            <a:lvl5pPr marL="1828800" algn="l" defTabSz="914400" rtl="0" eaLnBrk="1" latinLnBrk="0" hangingPunct="1">
+              <a:defRPr sz="1800" kern="1200">
+                <a:solidFill>
+                  <a:schemeClr val="lt1"/>
+                </a:solidFill>
+                <a:latin typeface="+mn-lt"/>
+                <a:ea typeface="+mn-ea"/>
+                <a:cs typeface="+mn-cs"/>
+              </a:defRPr>
+            </a:lvl5pPr>
+            <a:lvl6pPr marL="2286000" algn="l" defTabSz="914400" rtl="0" eaLnBrk="1" latinLnBrk="0" hangingPunct="1">
+              <a:defRPr sz="1800" kern="1200">
+                <a:solidFill>
+                  <a:schemeClr val="lt1"/>
+                </a:solidFill>
+                <a:latin typeface="+mn-lt"/>
+                <a:ea typeface="+mn-ea"/>
+                <a:cs typeface="+mn-cs"/>
+              </a:defRPr>
+            </a:lvl6pPr>
+            <a:lvl7pPr marL="2743200" algn="l" defTabSz="914400" rtl="0" eaLnBrk="1" latinLnBrk="0" hangingPunct="1">
+              <a:defRPr sz="1800" kern="1200">
+                <a:solidFill>
+                  <a:schemeClr val="lt1"/>
+                </a:solidFill>
+                <a:latin typeface="+mn-lt"/>
+                <a:ea typeface="+mn-ea"/>
+                <a:cs typeface="+mn-cs"/>
+              </a:defRPr>
+            </a:lvl7pPr>
+            <a:lvl8pPr marL="3200400" algn="l" defTabSz="914400" rtl="0" eaLnBrk="1" latinLnBrk="0" hangingPunct="1">
+              <a:defRPr sz="1800" kern="1200">
+                <a:solidFill>
+                  <a:schemeClr val="lt1"/>
+                </a:solidFill>
+                <a:latin typeface="+mn-lt"/>
+                <a:ea typeface="+mn-ea"/>
+                <a:cs typeface="+mn-cs"/>
+              </a:defRPr>
+            </a:lvl8pPr>
+            <a:lvl9pPr marL="3657600" algn="l" defTabSz="914400" rtl="0" eaLnBrk="1" latinLnBrk="0" hangingPunct="1">
+              <a:defRPr sz="1800" kern="1200">
+                <a:solidFill>
+                  <a:schemeClr val="lt1"/>
+                </a:solidFill>
+                <a:latin typeface="+mn-lt"/>
+                <a:ea typeface="+mn-ea"/>
+                <a:cs typeface="+mn-cs"/>
+              </a:defRPr>
+            </a:lvl9pPr>
+          </a:lstStyle>
+          <a:p>
+            <a:pPr algn="ctr"/>
+            <a:endParaRPr lang="zh-CN" altLang="en-US"/>
+          </a:p>
+        </p:txBody>
+      </p:sp>
+      <p:sp>
+        <p:nvSpPr>
+          <p:cNvPr id="11" name="椭圆 10">
+            <a:extLst>
+              <a:ext uri="{FF2B5EF4-FFF2-40B4-BE49-F238E27FC236}">
+                <a16:creationId xmlns:a16="http://schemas.microsoft.com/office/drawing/2014/main" id="{684A59B3-BCD6-C5E9-219A-17535CD5BC4E}"/>
+              </a:ext>
+            </a:extLst>
+          </p:cNvPr>
+          <p:cNvSpPr/>
+          <p:nvPr/>
+        </p:nvSpPr>
+        <p:spPr>
+          <a:xfrm>
+            <a:off x="3507150" y="3959521"/>
+            <a:ext cx="114299" cy="104477"/>
+          </a:xfrm>
+          <a:prstGeom prst="ellipse">
+            <a:avLst/>
+          </a:prstGeom>
+        </p:spPr>
+        <p:style>
+          <a:lnRef idx="2">
+            <a:schemeClr val="accent1">
+              <a:shade val="50000"/>
+            </a:schemeClr>
+          </a:lnRef>
+          <a:fillRef idx="1">
+            <a:schemeClr val="accent1"/>
+          </a:fillRef>
+          <a:effectRef idx="0">
+            <a:schemeClr val="accent1"/>
+          </a:effectRef>
+          <a:fontRef idx="minor">
+            <a:schemeClr val="lt1"/>
+          </a:fontRef>
+        </p:style>
+        <p:txBody>
+          <a:bodyPr rtlCol="0" anchor="ctr"/>
+          <a:lstStyle>
+            <a:defPPr>
+              <a:defRPr lang="zh-CN"/>
+            </a:defPPr>
+            <a:lvl1pPr marL="0" algn="l" defTabSz="914400" rtl="0" eaLnBrk="1" latinLnBrk="0" hangingPunct="1">
+              <a:defRPr sz="1800" kern="1200">
+                <a:solidFill>
+                  <a:schemeClr val="lt1"/>
+                </a:solidFill>
+                <a:latin typeface="+mn-lt"/>
+                <a:ea typeface="+mn-ea"/>
+                <a:cs typeface="+mn-cs"/>
+              </a:defRPr>
+            </a:lvl1pPr>
+            <a:lvl2pPr marL="457200" algn="l" defTabSz="914400" rtl="0" eaLnBrk="1" latinLnBrk="0" hangingPunct="1">
+              <a:defRPr sz="1800" kern="1200">
+                <a:solidFill>
+                  <a:schemeClr val="lt1"/>
+                </a:solidFill>
+                <a:latin typeface="+mn-lt"/>
+                <a:ea typeface="+mn-ea"/>
+                <a:cs typeface="+mn-cs"/>
+              </a:defRPr>
+            </a:lvl2pPr>
+            <a:lvl3pPr marL="914400" algn="l" defTabSz="914400" rtl="0" eaLnBrk="1" latinLnBrk="0" hangingPunct="1">
+              <a:defRPr sz="1800" kern="1200">
+                <a:solidFill>
+                  <a:schemeClr val="lt1"/>
+                </a:solidFill>
+                <a:latin typeface="+mn-lt"/>
+                <a:ea typeface="+mn-ea"/>
+                <a:cs typeface="+mn-cs"/>
+              </a:defRPr>
+            </a:lvl3pPr>
+            <a:lvl4pPr marL="1371600" algn="l" defTabSz="914400" rtl="0" eaLnBrk="1" latinLnBrk="0" hangingPunct="1">
+              <a:defRPr sz="1800" kern="1200">
+                <a:solidFill>
+                  <a:schemeClr val="lt1"/>
+                </a:solidFill>
+                <a:latin typeface="+mn-lt"/>
+                <a:ea typeface="+mn-ea"/>
+                <a:cs typeface="+mn-cs"/>
+              </a:defRPr>
+            </a:lvl4pPr>
+            <a:lvl5pPr marL="1828800" algn="l" defTabSz="914400" rtl="0" eaLnBrk="1" latinLnBrk="0" hangingPunct="1">
+              <a:defRPr sz="1800" kern="1200">
+                <a:solidFill>
+                  <a:schemeClr val="lt1"/>
+                </a:solidFill>
+                <a:latin typeface="+mn-lt"/>
+                <a:ea typeface="+mn-ea"/>
+                <a:cs typeface="+mn-cs"/>
+              </a:defRPr>
+            </a:lvl5pPr>
+            <a:lvl6pPr marL="2286000" algn="l" defTabSz="914400" rtl="0" eaLnBrk="1" latinLnBrk="0" hangingPunct="1">
+              <a:defRPr sz="1800" kern="1200">
+                <a:solidFill>
+                  <a:schemeClr val="lt1"/>
+                </a:solidFill>
+                <a:latin typeface="+mn-lt"/>
+                <a:ea typeface="+mn-ea"/>
+                <a:cs typeface="+mn-cs"/>
+              </a:defRPr>
+            </a:lvl6pPr>
+            <a:lvl7pPr marL="2743200" algn="l" defTabSz="914400" rtl="0" eaLnBrk="1" latinLnBrk="0" hangingPunct="1">
+              <a:defRPr sz="1800" kern="1200">
+                <a:solidFill>
+                  <a:schemeClr val="lt1"/>
+                </a:solidFill>
+                <a:latin typeface="+mn-lt"/>
+                <a:ea typeface="+mn-ea"/>
+                <a:cs typeface="+mn-cs"/>
+              </a:defRPr>
+            </a:lvl7pPr>
+            <a:lvl8pPr marL="3200400" algn="l" defTabSz="914400" rtl="0" eaLnBrk="1" latinLnBrk="0" hangingPunct="1">
+              <a:defRPr sz="1800" kern="1200">
+                <a:solidFill>
+                  <a:schemeClr val="lt1"/>
+                </a:solidFill>
+                <a:latin typeface="+mn-lt"/>
+                <a:ea typeface="+mn-ea"/>
+                <a:cs typeface="+mn-cs"/>
+              </a:defRPr>
+            </a:lvl8pPr>
+            <a:lvl9pPr marL="3657600" algn="l" defTabSz="914400" rtl="0" eaLnBrk="1" latinLnBrk="0" hangingPunct="1">
+              <a:defRPr sz="1800" kern="1200">
+                <a:solidFill>
+                  <a:schemeClr val="lt1"/>
+                </a:solidFill>
+                <a:latin typeface="+mn-lt"/>
+                <a:ea typeface="+mn-ea"/>
+                <a:cs typeface="+mn-cs"/>
+              </a:defRPr>
+            </a:lvl9pPr>
+          </a:lstStyle>
+          <a:p>
+            <a:pPr algn="ctr"/>
+            <a:endParaRPr lang="zh-CN" altLang="en-US"/>
+          </a:p>
+        </p:txBody>
+      </p:sp>
+      <p:sp>
+        <p:nvSpPr>
+          <p:cNvPr id="12" name="椭圆 11">
+            <a:extLst>
+              <a:ext uri="{FF2B5EF4-FFF2-40B4-BE49-F238E27FC236}">
+                <a16:creationId xmlns:a16="http://schemas.microsoft.com/office/drawing/2014/main" id="{6146C155-F12B-B914-4BD8-90C54D31FA51}"/>
+              </a:ext>
+            </a:extLst>
+          </p:cNvPr>
+          <p:cNvSpPr/>
+          <p:nvPr/>
+        </p:nvSpPr>
+        <p:spPr>
+          <a:xfrm>
+            <a:off x="4002185" y="3959521"/>
+            <a:ext cx="114299" cy="104477"/>
+          </a:xfrm>
+          <a:prstGeom prst="ellipse">
+            <a:avLst/>
+          </a:prstGeom>
+        </p:spPr>
+        <p:style>
+          <a:lnRef idx="2">
+            <a:schemeClr val="accent1">
+              <a:shade val="50000"/>
+            </a:schemeClr>
+          </a:lnRef>
+          <a:fillRef idx="1">
+            <a:schemeClr val="accent1"/>
+          </a:fillRef>
+          <a:effectRef idx="0">
+            <a:schemeClr val="accent1"/>
+          </a:effectRef>
+          <a:fontRef idx="minor">
+            <a:schemeClr val="lt1"/>
+          </a:fontRef>
+        </p:style>
+        <p:txBody>
+          <a:bodyPr rtlCol="0" anchor="ctr"/>
+          <a:lstStyle>
+            <a:defPPr>
+              <a:defRPr lang="zh-CN"/>
+            </a:defPPr>
+            <a:lvl1pPr marL="0" algn="l" defTabSz="914400" rtl="0" eaLnBrk="1" latinLnBrk="0" hangingPunct="1">
+              <a:defRPr sz="1800" kern="1200">
+                <a:solidFill>
+                  <a:schemeClr val="lt1"/>
+                </a:solidFill>
+                <a:latin typeface="+mn-lt"/>
+                <a:ea typeface="+mn-ea"/>
+                <a:cs typeface="+mn-cs"/>
+              </a:defRPr>
+            </a:lvl1pPr>
+            <a:lvl2pPr marL="457200" algn="l" defTabSz="914400" rtl="0" eaLnBrk="1" latinLnBrk="0" hangingPunct="1">
+              <a:defRPr sz="1800" kern="1200">
+                <a:solidFill>
+                  <a:schemeClr val="lt1"/>
+                </a:solidFill>
+                <a:latin typeface="+mn-lt"/>
+                <a:ea typeface="+mn-ea"/>
+                <a:cs typeface="+mn-cs"/>
+              </a:defRPr>
+            </a:lvl2pPr>
+            <a:lvl3pPr marL="914400" algn="l" defTabSz="914400" rtl="0" eaLnBrk="1" latinLnBrk="0" hangingPunct="1">
+              <a:defRPr sz="1800" kern="1200">
+                <a:solidFill>
+                  <a:schemeClr val="lt1"/>
+                </a:solidFill>
+                <a:latin typeface="+mn-lt"/>
+                <a:ea typeface="+mn-ea"/>
+                <a:cs typeface="+mn-cs"/>
+              </a:defRPr>
+            </a:lvl3pPr>
+            <a:lvl4pPr marL="1371600" algn="l" defTabSz="914400" rtl="0" eaLnBrk="1" latinLnBrk="0" hangingPunct="1">
+              <a:defRPr sz="1800" kern="1200">
+                <a:solidFill>
+                  <a:schemeClr val="lt1"/>
+                </a:solidFill>
+                <a:latin typeface="+mn-lt"/>
+                <a:ea typeface="+mn-ea"/>
+                <a:cs typeface="+mn-cs"/>
+              </a:defRPr>
+            </a:lvl4pPr>
+            <a:lvl5pPr marL="1828800" algn="l" defTabSz="914400" rtl="0" eaLnBrk="1" latinLnBrk="0" hangingPunct="1">
+              <a:defRPr sz="1800" kern="1200">
+                <a:solidFill>
+                  <a:schemeClr val="lt1"/>
+                </a:solidFill>
+                <a:latin typeface="+mn-lt"/>
+                <a:ea typeface="+mn-ea"/>
+                <a:cs typeface="+mn-cs"/>
+              </a:defRPr>
+            </a:lvl5pPr>
+            <a:lvl6pPr marL="2286000" algn="l" defTabSz="914400" rtl="0" eaLnBrk="1" latinLnBrk="0" hangingPunct="1">
+              <a:defRPr sz="1800" kern="1200">
+                <a:solidFill>
+                  <a:schemeClr val="lt1"/>
+                </a:solidFill>
+                <a:latin typeface="+mn-lt"/>
+                <a:ea typeface="+mn-ea"/>
+                <a:cs typeface="+mn-cs"/>
+              </a:defRPr>
+            </a:lvl6pPr>
+            <a:lvl7pPr marL="2743200" algn="l" defTabSz="914400" rtl="0" eaLnBrk="1" latinLnBrk="0" hangingPunct="1">
+              <a:defRPr sz="1800" kern="1200">
+                <a:solidFill>
+                  <a:schemeClr val="lt1"/>
+                </a:solidFill>
+                <a:latin typeface="+mn-lt"/>
+                <a:ea typeface="+mn-ea"/>
+                <a:cs typeface="+mn-cs"/>
+              </a:defRPr>
+            </a:lvl7pPr>
+            <a:lvl8pPr marL="3200400" algn="l" defTabSz="914400" rtl="0" eaLnBrk="1" latinLnBrk="0" hangingPunct="1">
+              <a:defRPr sz="1800" kern="1200">
+                <a:solidFill>
+                  <a:schemeClr val="lt1"/>
+                </a:solidFill>
+                <a:latin typeface="+mn-lt"/>
+                <a:ea typeface="+mn-ea"/>
+                <a:cs typeface="+mn-cs"/>
+              </a:defRPr>
+            </a:lvl8pPr>
+            <a:lvl9pPr marL="3657600" algn="l" defTabSz="914400" rtl="0" eaLnBrk="1" latinLnBrk="0" hangingPunct="1">
+              <a:defRPr sz="1800" kern="1200">
+                <a:solidFill>
+                  <a:schemeClr val="lt1"/>
+                </a:solidFill>
+                <a:latin typeface="+mn-lt"/>
+                <a:ea typeface="+mn-ea"/>
+                <a:cs typeface="+mn-cs"/>
+              </a:defRPr>
+            </a:lvl9pPr>
+          </a:lstStyle>
+          <a:p>
+            <a:pPr algn="ctr"/>
+            <a:endParaRPr lang="zh-CN" altLang="en-US"/>
+          </a:p>
+        </p:txBody>
+      </p:sp>
+      <p:sp>
+        <p:nvSpPr>
+          <p:cNvPr id="13" name="椭圆 12">
+            <a:extLst>
+              <a:ext uri="{FF2B5EF4-FFF2-40B4-BE49-F238E27FC236}">
+                <a16:creationId xmlns:a16="http://schemas.microsoft.com/office/drawing/2014/main" id="{A1766DBF-52EC-6EC4-D14B-7DF49DE4E5C1}"/>
+              </a:ext>
+            </a:extLst>
+          </p:cNvPr>
+          <p:cNvSpPr/>
+          <p:nvPr/>
+        </p:nvSpPr>
+        <p:spPr>
+          <a:xfrm>
+            <a:off x="4462295" y="3959521"/>
+            <a:ext cx="114299" cy="104477"/>
+          </a:xfrm>
+          <a:prstGeom prst="ellipse">
+            <a:avLst/>
+          </a:prstGeom>
+        </p:spPr>
+        <p:style>
+          <a:lnRef idx="2">
+            <a:schemeClr val="accent1">
+              <a:shade val="50000"/>
+            </a:schemeClr>
+          </a:lnRef>
+          <a:fillRef idx="1">
+            <a:schemeClr val="accent1"/>
+          </a:fillRef>
+          <a:effectRef idx="0">
+            <a:schemeClr val="accent1"/>
+          </a:effectRef>
+          <a:fontRef idx="minor">
+            <a:schemeClr val="lt1"/>
+          </a:fontRef>
+        </p:style>
+        <p:txBody>
+          <a:bodyPr rtlCol="0" anchor="ctr"/>
+          <a:lstStyle>
+            <a:defPPr>
+              <a:defRPr lang="zh-CN"/>
+            </a:defPPr>
+            <a:lvl1pPr marL="0" algn="l" defTabSz="914400" rtl="0" eaLnBrk="1" latinLnBrk="0" hangingPunct="1">
+              <a:defRPr sz="1800" kern="1200">
+                <a:solidFill>
+                  <a:schemeClr val="lt1"/>
+                </a:solidFill>
+                <a:latin typeface="+mn-lt"/>
+                <a:ea typeface="+mn-ea"/>
+                <a:cs typeface="+mn-cs"/>
+              </a:defRPr>
+            </a:lvl1pPr>
+            <a:lvl2pPr marL="457200" algn="l" defTabSz="914400" rtl="0" eaLnBrk="1" latinLnBrk="0" hangingPunct="1">
+              <a:defRPr sz="1800" kern="1200">
+                <a:solidFill>
+                  <a:schemeClr val="lt1"/>
+                </a:solidFill>
+                <a:latin typeface="+mn-lt"/>
+                <a:ea typeface="+mn-ea"/>
+                <a:cs typeface="+mn-cs"/>
+              </a:defRPr>
+            </a:lvl2pPr>
+            <a:lvl3pPr marL="914400" algn="l" defTabSz="914400" rtl="0" eaLnBrk="1" latinLnBrk="0" hangingPunct="1">
+              <a:defRPr sz="1800" kern="1200">
+                <a:solidFill>
+                  <a:schemeClr val="lt1"/>
+                </a:solidFill>
+                <a:latin typeface="+mn-lt"/>
+                <a:ea typeface="+mn-ea"/>
+                <a:cs typeface="+mn-cs"/>
+              </a:defRPr>
+            </a:lvl3pPr>
+            <a:lvl4pPr marL="1371600" algn="l" defTabSz="914400" rtl="0" eaLnBrk="1" latinLnBrk="0" hangingPunct="1">
+              <a:defRPr sz="1800" kern="1200">
+                <a:solidFill>
+                  <a:schemeClr val="lt1"/>
+                </a:solidFill>
+                <a:latin typeface="+mn-lt"/>
+                <a:ea typeface="+mn-ea"/>
+                <a:cs typeface="+mn-cs"/>
+              </a:defRPr>
+            </a:lvl4pPr>
+            <a:lvl5pPr marL="1828800" algn="l" defTabSz="914400" rtl="0" eaLnBrk="1" latinLnBrk="0" hangingPunct="1">
+              <a:defRPr sz="1800" kern="1200">
+                <a:solidFill>
+                  <a:schemeClr val="lt1"/>
+                </a:solidFill>
+                <a:latin typeface="+mn-lt"/>
+                <a:ea typeface="+mn-ea"/>
+                <a:cs typeface="+mn-cs"/>
+              </a:defRPr>
+            </a:lvl5pPr>
+            <a:lvl6pPr marL="2286000" algn="l" defTabSz="914400" rtl="0" eaLnBrk="1" latinLnBrk="0" hangingPunct="1">
+              <a:defRPr sz="1800" kern="1200">
+                <a:solidFill>
+                  <a:schemeClr val="lt1"/>
+                </a:solidFill>
+                <a:latin typeface="+mn-lt"/>
+                <a:ea typeface="+mn-ea"/>
+                <a:cs typeface="+mn-cs"/>
+              </a:defRPr>
+            </a:lvl6pPr>
+            <a:lvl7pPr marL="2743200" algn="l" defTabSz="914400" rtl="0" eaLnBrk="1" latinLnBrk="0" hangingPunct="1">
+              <a:defRPr sz="1800" kern="1200">
+                <a:solidFill>
+                  <a:schemeClr val="lt1"/>
+                </a:solidFill>
+                <a:latin typeface="+mn-lt"/>
+                <a:ea typeface="+mn-ea"/>
+                <a:cs typeface="+mn-cs"/>
+              </a:defRPr>
+            </a:lvl7pPr>
+            <a:lvl8pPr marL="3200400" algn="l" defTabSz="914400" rtl="0" eaLnBrk="1" latinLnBrk="0" hangingPunct="1">
+              <a:defRPr sz="1800" kern="1200">
+                <a:solidFill>
+                  <a:schemeClr val="lt1"/>
+                </a:solidFill>
+                <a:latin typeface="+mn-lt"/>
+                <a:ea typeface="+mn-ea"/>
+                <a:cs typeface="+mn-cs"/>
+              </a:defRPr>
+            </a:lvl8pPr>
+            <a:lvl9pPr marL="3657600" algn="l" defTabSz="914400" rtl="0" eaLnBrk="1" latinLnBrk="0" hangingPunct="1">
+              <a:defRPr sz="1800" kern="1200">
+                <a:solidFill>
+                  <a:schemeClr val="lt1"/>
+                </a:solidFill>
+                <a:latin typeface="+mn-lt"/>
+                <a:ea typeface="+mn-ea"/>
+                <a:cs typeface="+mn-cs"/>
+              </a:defRPr>
+            </a:lvl9pPr>
+          </a:lstStyle>
+          <a:p>
+            <a:pPr algn="ctr"/>
+            <a:endParaRPr lang="zh-CN" altLang="en-US"/>
+          </a:p>
+        </p:txBody>
+      </p:sp>
+      <p:sp>
+        <p:nvSpPr>
+          <p:cNvPr id="14" name="椭圆 13">
+            <a:extLst>
+              <a:ext uri="{FF2B5EF4-FFF2-40B4-BE49-F238E27FC236}">
+                <a16:creationId xmlns:a16="http://schemas.microsoft.com/office/drawing/2014/main" id="{6D815F63-D1A6-AB81-34F2-1C55E55372E9}"/>
+              </a:ext>
+            </a:extLst>
+          </p:cNvPr>
+          <p:cNvSpPr/>
+          <p:nvPr/>
+        </p:nvSpPr>
+        <p:spPr>
+          <a:xfrm>
+            <a:off x="4983058" y="3959521"/>
+            <a:ext cx="114299" cy="104477"/>
+          </a:xfrm>
+          <a:prstGeom prst="ellipse">
+            <a:avLst/>
+          </a:prstGeom>
+        </p:spPr>
+        <p:style>
+          <a:lnRef idx="2">
+            <a:schemeClr val="accent1">
+              <a:shade val="50000"/>
+            </a:schemeClr>
+          </a:lnRef>
+          <a:fillRef idx="1">
+            <a:schemeClr val="accent1"/>
+          </a:fillRef>
+          <a:effectRef idx="0">
+            <a:schemeClr val="accent1"/>
+          </a:effectRef>
+          <a:fontRef idx="minor">
+            <a:schemeClr val="lt1"/>
+          </a:fontRef>
+        </p:style>
+        <p:txBody>
+          <a:bodyPr rtlCol="0" anchor="ctr"/>
+          <a:lstStyle>
+            <a:defPPr>
+              <a:defRPr lang="zh-CN"/>
+            </a:defPPr>
+            <a:lvl1pPr marL="0" algn="l" defTabSz="914400" rtl="0" eaLnBrk="1" latinLnBrk="0" hangingPunct="1">
+              <a:defRPr sz="1800" kern="1200">
+                <a:solidFill>
+                  <a:schemeClr val="lt1"/>
+                </a:solidFill>
+                <a:latin typeface="+mn-lt"/>
+                <a:ea typeface="+mn-ea"/>
+                <a:cs typeface="+mn-cs"/>
+              </a:defRPr>
+            </a:lvl1pPr>
+            <a:lvl2pPr marL="457200" algn="l" defTabSz="914400" rtl="0" eaLnBrk="1" latinLnBrk="0" hangingPunct="1">
+              <a:defRPr sz="1800" kern="1200">
+                <a:solidFill>
+                  <a:schemeClr val="lt1"/>
+                </a:solidFill>
+                <a:latin typeface="+mn-lt"/>
+                <a:ea typeface="+mn-ea"/>
+                <a:cs typeface="+mn-cs"/>
+              </a:defRPr>
+            </a:lvl2pPr>
+            <a:lvl3pPr marL="914400" algn="l" defTabSz="914400" rtl="0" eaLnBrk="1" latinLnBrk="0" hangingPunct="1">
+              <a:defRPr sz="1800" kern="1200">
+                <a:solidFill>
+                  <a:schemeClr val="lt1"/>
+                </a:solidFill>
+                <a:latin typeface="+mn-lt"/>
+                <a:ea typeface="+mn-ea"/>
+                <a:cs typeface="+mn-cs"/>
+              </a:defRPr>
+            </a:lvl3pPr>
+            <a:lvl4pPr marL="1371600" algn="l" defTabSz="914400" rtl="0" eaLnBrk="1" latinLnBrk="0" hangingPunct="1">
+              <a:defRPr sz="1800" kern="1200">
+                <a:solidFill>
+                  <a:schemeClr val="lt1"/>
+                </a:solidFill>
+                <a:latin typeface="+mn-lt"/>
+                <a:ea typeface="+mn-ea"/>
+                <a:cs typeface="+mn-cs"/>
+              </a:defRPr>
+            </a:lvl4pPr>
+            <a:lvl5pPr marL="1828800" algn="l" defTabSz="914400" rtl="0" eaLnBrk="1" latinLnBrk="0" hangingPunct="1">
+              <a:defRPr sz="1800" kern="1200">
+                <a:solidFill>
+                  <a:schemeClr val="lt1"/>
+                </a:solidFill>
+                <a:latin typeface="+mn-lt"/>
+                <a:ea typeface="+mn-ea"/>
+                <a:cs typeface="+mn-cs"/>
+              </a:defRPr>
+            </a:lvl5pPr>
+            <a:lvl6pPr marL="2286000" algn="l" defTabSz="914400" rtl="0" eaLnBrk="1" latinLnBrk="0" hangingPunct="1">
+              <a:defRPr sz="1800" kern="1200">
+                <a:solidFill>
+                  <a:schemeClr val="lt1"/>
+                </a:solidFill>
+                <a:latin typeface="+mn-lt"/>
+                <a:ea typeface="+mn-ea"/>
+                <a:cs typeface="+mn-cs"/>
+              </a:defRPr>
+            </a:lvl6pPr>
+            <a:lvl7pPr marL="2743200" algn="l" defTabSz="914400" rtl="0" eaLnBrk="1" latinLnBrk="0" hangingPunct="1">
+              <a:defRPr sz="1800" kern="1200">
+                <a:solidFill>
+                  <a:schemeClr val="lt1"/>
+                </a:solidFill>
+                <a:latin typeface="+mn-lt"/>
+                <a:ea typeface="+mn-ea"/>
+                <a:cs typeface="+mn-cs"/>
+              </a:defRPr>
+            </a:lvl7pPr>
+            <a:lvl8pPr marL="3200400" algn="l" defTabSz="914400" rtl="0" eaLnBrk="1" latinLnBrk="0" hangingPunct="1">
+              <a:defRPr sz="1800" kern="1200">
+                <a:solidFill>
+                  <a:schemeClr val="lt1"/>
+                </a:solidFill>
+                <a:latin typeface="+mn-lt"/>
+                <a:ea typeface="+mn-ea"/>
+                <a:cs typeface="+mn-cs"/>
+              </a:defRPr>
+            </a:lvl8pPr>
+            <a:lvl9pPr marL="3657600" algn="l" defTabSz="914400" rtl="0" eaLnBrk="1" latinLnBrk="0" hangingPunct="1">
+              <a:defRPr sz="1800" kern="1200">
+                <a:solidFill>
+                  <a:schemeClr val="lt1"/>
+                </a:solidFill>
+                <a:latin typeface="+mn-lt"/>
+                <a:ea typeface="+mn-ea"/>
+                <a:cs typeface="+mn-cs"/>
+              </a:defRPr>
+            </a:lvl9pPr>
+          </a:lstStyle>
+          <a:p>
+            <a:pPr algn="ctr"/>
+            <a:endParaRPr lang="zh-CN" altLang="en-US"/>
+          </a:p>
+        </p:txBody>
+      </p:sp>
+      <p:sp>
+        <p:nvSpPr>
+          <p:cNvPr id="15" name="椭圆 14">
+            <a:extLst>
+              <a:ext uri="{FF2B5EF4-FFF2-40B4-BE49-F238E27FC236}">
+                <a16:creationId xmlns:a16="http://schemas.microsoft.com/office/drawing/2014/main" id="{9C5BE338-00BF-D1BE-B671-8A482D5BD1A3}"/>
+              </a:ext>
+            </a:extLst>
+          </p:cNvPr>
+          <p:cNvSpPr/>
+          <p:nvPr/>
+        </p:nvSpPr>
+        <p:spPr>
+          <a:xfrm>
+            <a:off x="5486205" y="3959521"/>
+            <a:ext cx="114299" cy="104477"/>
+          </a:xfrm>
+          <a:prstGeom prst="ellipse">
+            <a:avLst/>
+          </a:prstGeom>
+          <a:solidFill>
+            <a:srgbClr val="92D050"/>
+          </a:solidFill>
+        </p:spPr>
+        <p:style>
+          <a:lnRef idx="2">
+            <a:schemeClr val="accent1">
+              <a:shade val="50000"/>
+            </a:schemeClr>
+          </a:lnRef>
+          <a:fillRef idx="1">
+            <a:schemeClr val="accent1"/>
+          </a:fillRef>
+          <a:effectRef idx="0">
+            <a:schemeClr val="accent1"/>
+          </a:effectRef>
+          <a:fontRef idx="minor">
+            <a:schemeClr val="lt1"/>
+          </a:fontRef>
+        </p:style>
+        <p:txBody>
+          <a:bodyPr rtlCol="0" anchor="ctr"/>
+          <a:lstStyle>
+            <a:defPPr>
+              <a:defRPr lang="zh-CN"/>
+            </a:defPPr>
+            <a:lvl1pPr marL="0" algn="l" defTabSz="914400" rtl="0" eaLnBrk="1" latinLnBrk="0" hangingPunct="1">
+              <a:defRPr sz="1800" kern="1200">
+                <a:solidFill>
+                  <a:schemeClr val="lt1"/>
+                </a:solidFill>
+                <a:latin typeface="+mn-lt"/>
+                <a:ea typeface="+mn-ea"/>
+                <a:cs typeface="+mn-cs"/>
+              </a:defRPr>
+            </a:lvl1pPr>
+            <a:lvl2pPr marL="457200" algn="l" defTabSz="914400" rtl="0" eaLnBrk="1" latinLnBrk="0" hangingPunct="1">
+              <a:defRPr sz="1800" kern="1200">
+                <a:solidFill>
+                  <a:schemeClr val="lt1"/>
+                </a:solidFill>
+                <a:latin typeface="+mn-lt"/>
+                <a:ea typeface="+mn-ea"/>
+                <a:cs typeface="+mn-cs"/>
+              </a:defRPr>
+            </a:lvl2pPr>
+            <a:lvl3pPr marL="914400" algn="l" defTabSz="914400" rtl="0" eaLnBrk="1" latinLnBrk="0" hangingPunct="1">
+              <a:defRPr sz="1800" kern="1200">
+                <a:solidFill>
+                  <a:schemeClr val="lt1"/>
+                </a:solidFill>
+                <a:latin typeface="+mn-lt"/>
+                <a:ea typeface="+mn-ea"/>
+                <a:cs typeface="+mn-cs"/>
+              </a:defRPr>
+            </a:lvl3pPr>
+            <a:lvl4pPr marL="1371600" algn="l" defTabSz="914400" rtl="0" eaLnBrk="1" latinLnBrk="0" hangingPunct="1">
+              <a:defRPr sz="1800" kern="1200">
+                <a:solidFill>
+                  <a:schemeClr val="lt1"/>
+                </a:solidFill>
+                <a:latin typeface="+mn-lt"/>
+                <a:ea typeface="+mn-ea"/>
+                <a:cs typeface="+mn-cs"/>
+              </a:defRPr>
+            </a:lvl4pPr>
+            <a:lvl5pPr marL="1828800" algn="l" defTabSz="914400" rtl="0" eaLnBrk="1" latinLnBrk="0" hangingPunct="1">
+              <a:defRPr sz="1800" kern="1200">
+                <a:solidFill>
+                  <a:schemeClr val="lt1"/>
+                </a:solidFill>
+                <a:latin typeface="+mn-lt"/>
+                <a:ea typeface="+mn-ea"/>
+                <a:cs typeface="+mn-cs"/>
+              </a:defRPr>
+            </a:lvl5pPr>
+            <a:lvl6pPr marL="2286000" algn="l" defTabSz="914400" rtl="0" eaLnBrk="1" latinLnBrk="0" hangingPunct="1">
+              <a:defRPr sz="1800" kern="1200">
+                <a:solidFill>
+                  <a:schemeClr val="lt1"/>
+                </a:solidFill>
+                <a:latin typeface="+mn-lt"/>
+                <a:ea typeface="+mn-ea"/>
+                <a:cs typeface="+mn-cs"/>
+              </a:defRPr>
+            </a:lvl6pPr>
+            <a:lvl7pPr marL="2743200" algn="l" defTabSz="914400" rtl="0" eaLnBrk="1" latinLnBrk="0" hangingPunct="1">
+              <a:defRPr sz="1800" kern="1200">
+                <a:solidFill>
+                  <a:schemeClr val="lt1"/>
+                </a:solidFill>
+                <a:latin typeface="+mn-lt"/>
+                <a:ea typeface="+mn-ea"/>
+                <a:cs typeface="+mn-cs"/>
+              </a:defRPr>
+            </a:lvl7pPr>
+            <a:lvl8pPr marL="3200400" algn="l" defTabSz="914400" rtl="0" eaLnBrk="1" latinLnBrk="0" hangingPunct="1">
+              <a:defRPr sz="1800" kern="1200">
+                <a:solidFill>
+                  <a:schemeClr val="lt1"/>
+                </a:solidFill>
+                <a:latin typeface="+mn-lt"/>
+                <a:ea typeface="+mn-ea"/>
+                <a:cs typeface="+mn-cs"/>
+              </a:defRPr>
+            </a:lvl8pPr>
+            <a:lvl9pPr marL="3657600" algn="l" defTabSz="914400" rtl="0" eaLnBrk="1" latinLnBrk="0" hangingPunct="1">
+              <a:defRPr sz="1800" kern="1200">
+                <a:solidFill>
+                  <a:schemeClr val="lt1"/>
+                </a:solidFill>
+                <a:latin typeface="+mn-lt"/>
+                <a:ea typeface="+mn-ea"/>
+                <a:cs typeface="+mn-cs"/>
+              </a:defRPr>
+            </a:lvl9pPr>
+          </a:lstStyle>
+          <a:p>
+            <a:pPr algn="ctr"/>
+            <a:endParaRPr lang="zh-CN" altLang="en-US"/>
+          </a:p>
+        </p:txBody>
+      </p:sp>
+      <p:sp>
+        <p:nvSpPr>
+          <p:cNvPr id="16" name="椭圆 15">
+            <a:extLst>
+              <a:ext uri="{FF2B5EF4-FFF2-40B4-BE49-F238E27FC236}">
+                <a16:creationId xmlns:a16="http://schemas.microsoft.com/office/drawing/2014/main" id="{8283621F-1282-AED7-C12C-5A5DA8316728}"/>
+              </a:ext>
+            </a:extLst>
+          </p:cNvPr>
+          <p:cNvSpPr/>
+          <p:nvPr/>
+        </p:nvSpPr>
+        <p:spPr>
+          <a:xfrm>
+            <a:off x="8489950" y="3959521"/>
+            <a:ext cx="114299" cy="104477"/>
+          </a:xfrm>
+          <a:prstGeom prst="ellipse">
+            <a:avLst/>
+          </a:prstGeom>
+          <a:solidFill>
+            <a:srgbClr val="FF0000"/>
+          </a:solidFill>
+        </p:spPr>
+        <p:style>
+          <a:lnRef idx="2">
+            <a:schemeClr val="accent1">
+              <a:shade val="50000"/>
+            </a:schemeClr>
+          </a:lnRef>
+          <a:fillRef idx="1">
+            <a:schemeClr val="accent1"/>
+          </a:fillRef>
+          <a:effectRef idx="0">
+            <a:schemeClr val="accent1"/>
+          </a:effectRef>
+          <a:fontRef idx="minor">
+            <a:schemeClr val="lt1"/>
+          </a:fontRef>
+        </p:style>
+        <p:txBody>
+          <a:bodyPr rtlCol="0" anchor="ctr"/>
+          <a:lstStyle>
+            <a:defPPr>
+              <a:defRPr lang="zh-CN"/>
+            </a:defPPr>
+            <a:lvl1pPr marL="0" algn="l" defTabSz="914400" rtl="0" eaLnBrk="1" latinLnBrk="0" hangingPunct="1">
+              <a:defRPr sz="1800" kern="1200">
+                <a:solidFill>
+                  <a:schemeClr val="lt1"/>
+                </a:solidFill>
+                <a:latin typeface="+mn-lt"/>
+                <a:ea typeface="+mn-ea"/>
+                <a:cs typeface="+mn-cs"/>
+              </a:defRPr>
+            </a:lvl1pPr>
+            <a:lvl2pPr marL="457200" algn="l" defTabSz="914400" rtl="0" eaLnBrk="1" latinLnBrk="0" hangingPunct="1">
+              <a:defRPr sz="1800" kern="1200">
+                <a:solidFill>
+                  <a:schemeClr val="lt1"/>
+                </a:solidFill>
+                <a:latin typeface="+mn-lt"/>
+                <a:ea typeface="+mn-ea"/>
+                <a:cs typeface="+mn-cs"/>
+              </a:defRPr>
+            </a:lvl2pPr>
+            <a:lvl3pPr marL="914400" algn="l" defTabSz="914400" rtl="0" eaLnBrk="1" latinLnBrk="0" hangingPunct="1">
+              <a:defRPr sz="1800" kern="1200">
+                <a:solidFill>
+                  <a:schemeClr val="lt1"/>
+                </a:solidFill>
+                <a:latin typeface="+mn-lt"/>
+                <a:ea typeface="+mn-ea"/>
+                <a:cs typeface="+mn-cs"/>
+              </a:defRPr>
+            </a:lvl3pPr>
+            <a:lvl4pPr marL="1371600" algn="l" defTabSz="914400" rtl="0" eaLnBrk="1" latinLnBrk="0" hangingPunct="1">
+              <a:defRPr sz="1800" kern="1200">
+                <a:solidFill>
+                  <a:schemeClr val="lt1"/>
+                </a:solidFill>
+                <a:latin typeface="+mn-lt"/>
+                <a:ea typeface="+mn-ea"/>
+                <a:cs typeface="+mn-cs"/>
+              </a:defRPr>
+            </a:lvl4pPr>
+            <a:lvl5pPr marL="1828800" algn="l" defTabSz="914400" rtl="0" eaLnBrk="1" latinLnBrk="0" hangingPunct="1">
+              <a:defRPr sz="1800" kern="1200">
+                <a:solidFill>
+                  <a:schemeClr val="lt1"/>
+                </a:solidFill>
+                <a:latin typeface="+mn-lt"/>
+                <a:ea typeface="+mn-ea"/>
+                <a:cs typeface="+mn-cs"/>
+              </a:defRPr>
+            </a:lvl5pPr>
+            <a:lvl6pPr marL="2286000" algn="l" defTabSz="914400" rtl="0" eaLnBrk="1" latinLnBrk="0" hangingPunct="1">
+              <a:defRPr sz="1800" kern="1200">
+                <a:solidFill>
+                  <a:schemeClr val="lt1"/>
+                </a:solidFill>
+                <a:latin typeface="+mn-lt"/>
+                <a:ea typeface="+mn-ea"/>
+                <a:cs typeface="+mn-cs"/>
+              </a:defRPr>
+            </a:lvl6pPr>
+            <a:lvl7pPr marL="2743200" algn="l" defTabSz="914400" rtl="0" eaLnBrk="1" latinLnBrk="0" hangingPunct="1">
+              <a:defRPr sz="1800" kern="1200">
+                <a:solidFill>
+                  <a:schemeClr val="lt1"/>
+                </a:solidFill>
+                <a:latin typeface="+mn-lt"/>
+                <a:ea typeface="+mn-ea"/>
+                <a:cs typeface="+mn-cs"/>
+              </a:defRPr>
+            </a:lvl7pPr>
+            <a:lvl8pPr marL="3200400" algn="l" defTabSz="914400" rtl="0" eaLnBrk="1" latinLnBrk="0" hangingPunct="1">
+              <a:defRPr sz="1800" kern="1200">
+                <a:solidFill>
+                  <a:schemeClr val="lt1"/>
+                </a:solidFill>
+                <a:latin typeface="+mn-lt"/>
+                <a:ea typeface="+mn-ea"/>
+                <a:cs typeface="+mn-cs"/>
+              </a:defRPr>
+            </a:lvl8pPr>
+            <a:lvl9pPr marL="3657600" algn="l" defTabSz="914400" rtl="0" eaLnBrk="1" latinLnBrk="0" hangingPunct="1">
+              <a:defRPr sz="1800" kern="1200">
+                <a:solidFill>
+                  <a:schemeClr val="lt1"/>
+                </a:solidFill>
+                <a:latin typeface="+mn-lt"/>
+                <a:ea typeface="+mn-ea"/>
+                <a:cs typeface="+mn-cs"/>
+              </a:defRPr>
+            </a:lvl9pPr>
+          </a:lstStyle>
+          <a:p>
+            <a:pPr algn="ctr"/>
+            <a:endParaRPr lang="zh-CN" altLang="en-US"/>
+          </a:p>
+        </p:txBody>
+      </p:sp>
+      <p:sp>
+        <p:nvSpPr>
+          <p:cNvPr id="17" name="椭圆 16">
+            <a:extLst>
+              <a:ext uri="{FF2B5EF4-FFF2-40B4-BE49-F238E27FC236}">
+                <a16:creationId xmlns:a16="http://schemas.microsoft.com/office/drawing/2014/main" id="{16ACD638-4D5A-97A3-2D1D-D60678A85040}"/>
+              </a:ext>
+            </a:extLst>
+          </p:cNvPr>
+          <p:cNvSpPr/>
+          <p:nvPr/>
+        </p:nvSpPr>
+        <p:spPr>
+          <a:xfrm>
+            <a:off x="8890000" y="3959521"/>
+            <a:ext cx="114299" cy="104477"/>
+          </a:xfrm>
+          <a:prstGeom prst="ellipse">
+            <a:avLst/>
+          </a:prstGeom>
+          <a:solidFill>
+            <a:srgbClr val="FF0000"/>
+          </a:solidFill>
+        </p:spPr>
+        <p:style>
+          <a:lnRef idx="2">
+            <a:schemeClr val="accent1">
+              <a:shade val="50000"/>
+            </a:schemeClr>
+          </a:lnRef>
+          <a:fillRef idx="1">
+            <a:schemeClr val="accent1"/>
+          </a:fillRef>
+          <a:effectRef idx="0">
+            <a:schemeClr val="accent1"/>
+          </a:effectRef>
+          <a:fontRef idx="minor">
+            <a:schemeClr val="lt1"/>
+          </a:fontRef>
+        </p:style>
+        <p:txBody>
+          <a:bodyPr rtlCol="0" anchor="ctr"/>
+          <a:lstStyle>
+            <a:defPPr>
+              <a:defRPr lang="zh-CN"/>
+            </a:defPPr>
+            <a:lvl1pPr marL="0" algn="l" defTabSz="914400" rtl="0" eaLnBrk="1" latinLnBrk="0" hangingPunct="1">
+              <a:defRPr sz="1800" kern="1200">
+                <a:solidFill>
+                  <a:schemeClr val="lt1"/>
+                </a:solidFill>
+                <a:latin typeface="+mn-lt"/>
+                <a:ea typeface="+mn-ea"/>
+                <a:cs typeface="+mn-cs"/>
+              </a:defRPr>
+            </a:lvl1pPr>
+            <a:lvl2pPr marL="457200" algn="l" defTabSz="914400" rtl="0" eaLnBrk="1" latinLnBrk="0" hangingPunct="1">
+              <a:defRPr sz="1800" kern="1200">
+                <a:solidFill>
+                  <a:schemeClr val="lt1"/>
+                </a:solidFill>
+                <a:latin typeface="+mn-lt"/>
+                <a:ea typeface="+mn-ea"/>
+                <a:cs typeface="+mn-cs"/>
+              </a:defRPr>
+            </a:lvl2pPr>
+            <a:lvl3pPr marL="914400" algn="l" defTabSz="914400" rtl="0" eaLnBrk="1" latinLnBrk="0" hangingPunct="1">
+              <a:defRPr sz="1800" kern="1200">
+                <a:solidFill>
+                  <a:schemeClr val="lt1"/>
+                </a:solidFill>
+                <a:latin typeface="+mn-lt"/>
+                <a:ea typeface="+mn-ea"/>
+                <a:cs typeface="+mn-cs"/>
+              </a:defRPr>
+            </a:lvl3pPr>
+            <a:lvl4pPr marL="1371600" algn="l" defTabSz="914400" rtl="0" eaLnBrk="1" latinLnBrk="0" hangingPunct="1">
+              <a:defRPr sz="1800" kern="1200">
+                <a:solidFill>
+                  <a:schemeClr val="lt1"/>
+                </a:solidFill>
+                <a:latin typeface="+mn-lt"/>
+                <a:ea typeface="+mn-ea"/>
+                <a:cs typeface="+mn-cs"/>
+              </a:defRPr>
+            </a:lvl4pPr>
+            <a:lvl5pPr marL="1828800" algn="l" defTabSz="914400" rtl="0" eaLnBrk="1" latinLnBrk="0" hangingPunct="1">
+              <a:defRPr sz="1800" kern="1200">
+                <a:solidFill>
+                  <a:schemeClr val="lt1"/>
+                </a:solidFill>
+                <a:latin typeface="+mn-lt"/>
+                <a:ea typeface="+mn-ea"/>
+                <a:cs typeface="+mn-cs"/>
+              </a:defRPr>
+            </a:lvl5pPr>
+            <a:lvl6pPr marL="2286000" algn="l" defTabSz="914400" rtl="0" eaLnBrk="1" latinLnBrk="0" hangingPunct="1">
+              <a:defRPr sz="1800" kern="1200">
+                <a:solidFill>
+                  <a:schemeClr val="lt1"/>
+                </a:solidFill>
+                <a:latin typeface="+mn-lt"/>
+                <a:ea typeface="+mn-ea"/>
+                <a:cs typeface="+mn-cs"/>
+              </a:defRPr>
+            </a:lvl6pPr>
+            <a:lvl7pPr marL="2743200" algn="l" defTabSz="914400" rtl="0" eaLnBrk="1" latinLnBrk="0" hangingPunct="1">
+              <a:defRPr sz="1800" kern="1200">
+                <a:solidFill>
+                  <a:schemeClr val="lt1"/>
+                </a:solidFill>
+                <a:latin typeface="+mn-lt"/>
+                <a:ea typeface="+mn-ea"/>
+                <a:cs typeface="+mn-cs"/>
+              </a:defRPr>
+            </a:lvl7pPr>
+            <a:lvl8pPr marL="3200400" algn="l" defTabSz="914400" rtl="0" eaLnBrk="1" latinLnBrk="0" hangingPunct="1">
+              <a:defRPr sz="1800" kern="1200">
+                <a:solidFill>
+                  <a:schemeClr val="lt1"/>
+                </a:solidFill>
+                <a:latin typeface="+mn-lt"/>
+                <a:ea typeface="+mn-ea"/>
+                <a:cs typeface="+mn-cs"/>
+              </a:defRPr>
+            </a:lvl8pPr>
+            <a:lvl9pPr marL="3657600" algn="l" defTabSz="914400" rtl="0" eaLnBrk="1" latinLnBrk="0" hangingPunct="1">
+              <a:defRPr sz="1800" kern="1200">
+                <a:solidFill>
+                  <a:schemeClr val="lt1"/>
+                </a:solidFill>
+                <a:latin typeface="+mn-lt"/>
+                <a:ea typeface="+mn-ea"/>
+                <a:cs typeface="+mn-cs"/>
+              </a:defRPr>
+            </a:lvl9pPr>
+          </a:lstStyle>
+          <a:p>
+            <a:pPr algn="ctr"/>
+            <a:endParaRPr lang="zh-CN" altLang="en-US"/>
+          </a:p>
+        </p:txBody>
+      </p:sp>
+      <p:sp>
+        <p:nvSpPr>
+          <p:cNvPr id="18" name="椭圆 17">
+            <a:extLst>
+              <a:ext uri="{FF2B5EF4-FFF2-40B4-BE49-F238E27FC236}">
+                <a16:creationId xmlns:a16="http://schemas.microsoft.com/office/drawing/2014/main" id="{FA3EFDAA-835E-B989-EA13-26D20E89678D}"/>
+              </a:ext>
+            </a:extLst>
+          </p:cNvPr>
+          <p:cNvSpPr/>
+          <p:nvPr/>
+        </p:nvSpPr>
+        <p:spPr>
+          <a:xfrm>
+            <a:off x="9099550" y="3959521"/>
+            <a:ext cx="114299" cy="104477"/>
+          </a:xfrm>
+          <a:prstGeom prst="ellipse">
+            <a:avLst/>
+          </a:prstGeom>
+          <a:solidFill>
+            <a:srgbClr val="FF0000"/>
+          </a:solidFill>
+        </p:spPr>
+        <p:style>
+          <a:lnRef idx="2">
+            <a:schemeClr val="accent1">
+              <a:shade val="50000"/>
+            </a:schemeClr>
+          </a:lnRef>
+          <a:fillRef idx="1">
+            <a:schemeClr val="accent1"/>
+          </a:fillRef>
+          <a:effectRef idx="0">
+            <a:schemeClr val="accent1"/>
+          </a:effectRef>
+          <a:fontRef idx="minor">
+            <a:schemeClr val="lt1"/>
+          </a:fontRef>
+        </p:style>
+        <p:txBody>
+          <a:bodyPr rtlCol="0" anchor="ctr"/>
+          <a:lstStyle>
+            <a:defPPr>
+              <a:defRPr lang="zh-CN"/>
+            </a:defPPr>
+            <a:lvl1pPr marL="0" algn="l" defTabSz="914400" rtl="0" eaLnBrk="1" latinLnBrk="0" hangingPunct="1">
+              <a:defRPr sz="1800" kern="1200">
+                <a:solidFill>
+                  <a:schemeClr val="lt1"/>
+                </a:solidFill>
+                <a:latin typeface="+mn-lt"/>
+                <a:ea typeface="+mn-ea"/>
+                <a:cs typeface="+mn-cs"/>
+              </a:defRPr>
+            </a:lvl1pPr>
+            <a:lvl2pPr marL="457200" algn="l" defTabSz="914400" rtl="0" eaLnBrk="1" latinLnBrk="0" hangingPunct="1">
+              <a:defRPr sz="1800" kern="1200">
+                <a:solidFill>
+                  <a:schemeClr val="lt1"/>
+                </a:solidFill>
+                <a:latin typeface="+mn-lt"/>
+                <a:ea typeface="+mn-ea"/>
+                <a:cs typeface="+mn-cs"/>
+              </a:defRPr>
+            </a:lvl2pPr>
+            <a:lvl3pPr marL="914400" algn="l" defTabSz="914400" rtl="0" eaLnBrk="1" latinLnBrk="0" hangingPunct="1">
+              <a:defRPr sz="1800" kern="1200">
+                <a:solidFill>
+                  <a:schemeClr val="lt1"/>
+                </a:solidFill>
+                <a:latin typeface="+mn-lt"/>
+                <a:ea typeface="+mn-ea"/>
+                <a:cs typeface="+mn-cs"/>
+              </a:defRPr>
+            </a:lvl3pPr>
+            <a:lvl4pPr marL="1371600" algn="l" defTabSz="914400" rtl="0" eaLnBrk="1" latinLnBrk="0" hangingPunct="1">
+              <a:defRPr sz="1800" kern="1200">
+                <a:solidFill>
+                  <a:schemeClr val="lt1"/>
+                </a:solidFill>
+                <a:latin typeface="+mn-lt"/>
+                <a:ea typeface="+mn-ea"/>
+                <a:cs typeface="+mn-cs"/>
+              </a:defRPr>
+            </a:lvl4pPr>
+            <a:lvl5pPr marL="1828800" algn="l" defTabSz="914400" rtl="0" eaLnBrk="1" latinLnBrk="0" hangingPunct="1">
+              <a:defRPr sz="1800" kern="1200">
+                <a:solidFill>
+                  <a:schemeClr val="lt1"/>
+                </a:solidFill>
+                <a:latin typeface="+mn-lt"/>
+                <a:ea typeface="+mn-ea"/>
+                <a:cs typeface="+mn-cs"/>
+              </a:defRPr>
+            </a:lvl5pPr>
+            <a:lvl6pPr marL="2286000" algn="l" defTabSz="914400" rtl="0" eaLnBrk="1" latinLnBrk="0" hangingPunct="1">
+              <a:defRPr sz="1800" kern="1200">
+                <a:solidFill>
+                  <a:schemeClr val="lt1"/>
+                </a:solidFill>
+                <a:latin typeface="+mn-lt"/>
+                <a:ea typeface="+mn-ea"/>
+                <a:cs typeface="+mn-cs"/>
+              </a:defRPr>
+            </a:lvl6pPr>
+            <a:lvl7pPr marL="2743200" algn="l" defTabSz="914400" rtl="0" eaLnBrk="1" latinLnBrk="0" hangingPunct="1">
+              <a:defRPr sz="1800" kern="1200">
+                <a:solidFill>
+                  <a:schemeClr val="lt1"/>
+                </a:solidFill>
+                <a:latin typeface="+mn-lt"/>
+                <a:ea typeface="+mn-ea"/>
+                <a:cs typeface="+mn-cs"/>
+              </a:defRPr>
+            </a:lvl7pPr>
+            <a:lvl8pPr marL="3200400" algn="l" defTabSz="914400" rtl="0" eaLnBrk="1" latinLnBrk="0" hangingPunct="1">
+              <a:defRPr sz="1800" kern="1200">
+                <a:solidFill>
+                  <a:schemeClr val="lt1"/>
+                </a:solidFill>
+                <a:latin typeface="+mn-lt"/>
+                <a:ea typeface="+mn-ea"/>
+                <a:cs typeface="+mn-cs"/>
+              </a:defRPr>
+            </a:lvl8pPr>
+            <a:lvl9pPr marL="3657600" algn="l" defTabSz="914400" rtl="0" eaLnBrk="1" latinLnBrk="0" hangingPunct="1">
+              <a:defRPr sz="1800" kern="1200">
+                <a:solidFill>
+                  <a:schemeClr val="lt1"/>
+                </a:solidFill>
+                <a:latin typeface="+mn-lt"/>
+                <a:ea typeface="+mn-ea"/>
+                <a:cs typeface="+mn-cs"/>
+              </a:defRPr>
+            </a:lvl9pPr>
+          </a:lstStyle>
+          <a:p>
+            <a:pPr algn="ctr"/>
+            <a:endParaRPr lang="zh-CN" altLang="en-US"/>
+          </a:p>
+        </p:txBody>
+      </p:sp>
+      <p:sp>
+        <p:nvSpPr>
+          <p:cNvPr id="19" name="椭圆 18">
+            <a:extLst>
+              <a:ext uri="{FF2B5EF4-FFF2-40B4-BE49-F238E27FC236}">
+                <a16:creationId xmlns:a16="http://schemas.microsoft.com/office/drawing/2014/main" id="{649ED572-1EF6-8F0D-3022-8F09B4A0860F}"/>
+              </a:ext>
+            </a:extLst>
+          </p:cNvPr>
+          <p:cNvSpPr/>
+          <p:nvPr/>
+        </p:nvSpPr>
+        <p:spPr>
+          <a:xfrm>
+            <a:off x="5981240" y="3959521"/>
+            <a:ext cx="114299" cy="104477"/>
+          </a:xfrm>
+          <a:prstGeom prst="ellipse">
+            <a:avLst/>
+          </a:prstGeom>
+          <a:solidFill>
+            <a:srgbClr val="92D050"/>
+          </a:solidFill>
+        </p:spPr>
+        <p:style>
+          <a:lnRef idx="2">
+            <a:schemeClr val="accent1">
+              <a:shade val="50000"/>
+            </a:schemeClr>
+          </a:lnRef>
+          <a:fillRef idx="1">
+            <a:schemeClr val="accent1"/>
+          </a:fillRef>
+          <a:effectRef idx="0">
+            <a:schemeClr val="accent1"/>
+          </a:effectRef>
+          <a:fontRef idx="minor">
+            <a:schemeClr val="lt1"/>
+          </a:fontRef>
+        </p:style>
+        <p:txBody>
+          <a:bodyPr rtlCol="0" anchor="ctr"/>
+          <a:lstStyle>
+            <a:defPPr>
+              <a:defRPr lang="zh-CN"/>
+            </a:defPPr>
+            <a:lvl1pPr marL="0" algn="l" defTabSz="914400" rtl="0" eaLnBrk="1" latinLnBrk="0" hangingPunct="1">
+              <a:defRPr sz="1800" kern="1200">
+                <a:solidFill>
+                  <a:schemeClr val="lt1"/>
+                </a:solidFill>
+                <a:latin typeface="+mn-lt"/>
+                <a:ea typeface="+mn-ea"/>
+                <a:cs typeface="+mn-cs"/>
+              </a:defRPr>
+            </a:lvl1pPr>
+            <a:lvl2pPr marL="457200" algn="l" defTabSz="914400" rtl="0" eaLnBrk="1" latinLnBrk="0" hangingPunct="1">
+              <a:defRPr sz="1800" kern="1200">
+                <a:solidFill>
+                  <a:schemeClr val="lt1"/>
+                </a:solidFill>
+                <a:latin typeface="+mn-lt"/>
+                <a:ea typeface="+mn-ea"/>
+                <a:cs typeface="+mn-cs"/>
+              </a:defRPr>
+            </a:lvl2pPr>
+            <a:lvl3pPr marL="914400" algn="l" defTabSz="914400" rtl="0" eaLnBrk="1" latinLnBrk="0" hangingPunct="1">
+              <a:defRPr sz="1800" kern="1200">
+                <a:solidFill>
+                  <a:schemeClr val="lt1"/>
+                </a:solidFill>
+                <a:latin typeface="+mn-lt"/>
+                <a:ea typeface="+mn-ea"/>
+                <a:cs typeface="+mn-cs"/>
+              </a:defRPr>
+            </a:lvl3pPr>
+            <a:lvl4pPr marL="1371600" algn="l" defTabSz="914400" rtl="0" eaLnBrk="1" latinLnBrk="0" hangingPunct="1">
+              <a:defRPr sz="1800" kern="1200">
+                <a:solidFill>
+                  <a:schemeClr val="lt1"/>
+                </a:solidFill>
+                <a:latin typeface="+mn-lt"/>
+                <a:ea typeface="+mn-ea"/>
+                <a:cs typeface="+mn-cs"/>
+              </a:defRPr>
+            </a:lvl4pPr>
+            <a:lvl5pPr marL="1828800" algn="l" defTabSz="914400" rtl="0" eaLnBrk="1" latinLnBrk="0" hangingPunct="1">
+              <a:defRPr sz="1800" kern="1200">
+                <a:solidFill>
+                  <a:schemeClr val="lt1"/>
+                </a:solidFill>
+                <a:latin typeface="+mn-lt"/>
+                <a:ea typeface="+mn-ea"/>
+                <a:cs typeface="+mn-cs"/>
+              </a:defRPr>
+            </a:lvl5pPr>
+            <a:lvl6pPr marL="2286000" algn="l" defTabSz="914400" rtl="0" eaLnBrk="1" latinLnBrk="0" hangingPunct="1">
+              <a:defRPr sz="1800" kern="1200">
+                <a:solidFill>
+                  <a:schemeClr val="lt1"/>
+                </a:solidFill>
+                <a:latin typeface="+mn-lt"/>
+                <a:ea typeface="+mn-ea"/>
+                <a:cs typeface="+mn-cs"/>
+              </a:defRPr>
+            </a:lvl6pPr>
+            <a:lvl7pPr marL="2743200" algn="l" defTabSz="914400" rtl="0" eaLnBrk="1" latinLnBrk="0" hangingPunct="1">
+              <a:defRPr sz="1800" kern="1200">
+                <a:solidFill>
+                  <a:schemeClr val="lt1"/>
+                </a:solidFill>
+                <a:latin typeface="+mn-lt"/>
+                <a:ea typeface="+mn-ea"/>
+                <a:cs typeface="+mn-cs"/>
+              </a:defRPr>
+            </a:lvl7pPr>
+            <a:lvl8pPr marL="3200400" algn="l" defTabSz="914400" rtl="0" eaLnBrk="1" latinLnBrk="0" hangingPunct="1">
+              <a:defRPr sz="1800" kern="1200">
+                <a:solidFill>
+                  <a:schemeClr val="lt1"/>
+                </a:solidFill>
+                <a:latin typeface="+mn-lt"/>
+                <a:ea typeface="+mn-ea"/>
+                <a:cs typeface="+mn-cs"/>
+              </a:defRPr>
+            </a:lvl8pPr>
+            <a:lvl9pPr marL="3657600" algn="l" defTabSz="914400" rtl="0" eaLnBrk="1" latinLnBrk="0" hangingPunct="1">
+              <a:defRPr sz="1800" kern="1200">
+                <a:solidFill>
+                  <a:schemeClr val="lt1"/>
+                </a:solidFill>
+                <a:latin typeface="+mn-lt"/>
+                <a:ea typeface="+mn-ea"/>
+                <a:cs typeface="+mn-cs"/>
+              </a:defRPr>
+            </a:lvl9pPr>
+          </a:lstStyle>
+          <a:p>
+            <a:pPr algn="ctr"/>
+            <a:endParaRPr lang="zh-CN" altLang="en-US"/>
+          </a:p>
+        </p:txBody>
+      </p:sp>
+      <p:sp>
+        <p:nvSpPr>
+          <p:cNvPr id="20" name="椭圆 19">
+            <a:extLst>
+              <a:ext uri="{FF2B5EF4-FFF2-40B4-BE49-F238E27FC236}">
+                <a16:creationId xmlns:a16="http://schemas.microsoft.com/office/drawing/2014/main" id="{0904F827-FDAA-43F5-2FC3-8995186A2350}"/>
+              </a:ext>
+            </a:extLst>
+          </p:cNvPr>
+          <p:cNvSpPr/>
+          <p:nvPr/>
+        </p:nvSpPr>
+        <p:spPr>
+          <a:xfrm>
+            <a:off x="6188785" y="3959521"/>
+            <a:ext cx="114299" cy="104477"/>
+          </a:xfrm>
+          <a:prstGeom prst="ellipse">
+            <a:avLst/>
+          </a:prstGeom>
+          <a:solidFill>
+            <a:srgbClr val="92D050"/>
+          </a:solidFill>
+        </p:spPr>
+        <p:style>
+          <a:lnRef idx="2">
+            <a:schemeClr val="accent1">
+              <a:shade val="50000"/>
+            </a:schemeClr>
+          </a:lnRef>
+          <a:fillRef idx="1">
+            <a:schemeClr val="accent1"/>
+          </a:fillRef>
+          <a:effectRef idx="0">
+            <a:schemeClr val="accent1"/>
+          </a:effectRef>
+          <a:fontRef idx="minor">
+            <a:schemeClr val="lt1"/>
+          </a:fontRef>
+        </p:style>
+        <p:txBody>
+          <a:bodyPr rtlCol="0" anchor="ctr"/>
+          <a:lstStyle>
+            <a:defPPr>
+              <a:defRPr lang="zh-CN"/>
+            </a:defPPr>
+            <a:lvl1pPr marL="0" algn="l" defTabSz="914400" rtl="0" eaLnBrk="1" latinLnBrk="0" hangingPunct="1">
+              <a:defRPr sz="1800" kern="1200">
+                <a:solidFill>
+                  <a:schemeClr val="lt1"/>
+                </a:solidFill>
+                <a:latin typeface="+mn-lt"/>
+                <a:ea typeface="+mn-ea"/>
+                <a:cs typeface="+mn-cs"/>
+              </a:defRPr>
+            </a:lvl1pPr>
+            <a:lvl2pPr marL="457200" algn="l" defTabSz="914400" rtl="0" eaLnBrk="1" latinLnBrk="0" hangingPunct="1">
+              <a:defRPr sz="1800" kern="1200">
+                <a:solidFill>
+                  <a:schemeClr val="lt1"/>
+                </a:solidFill>
+                <a:latin typeface="+mn-lt"/>
+                <a:ea typeface="+mn-ea"/>
+                <a:cs typeface="+mn-cs"/>
+              </a:defRPr>
+            </a:lvl2pPr>
+            <a:lvl3pPr marL="914400" algn="l" defTabSz="914400" rtl="0" eaLnBrk="1" latinLnBrk="0" hangingPunct="1">
+              <a:defRPr sz="1800" kern="1200">
+                <a:solidFill>
+                  <a:schemeClr val="lt1"/>
+                </a:solidFill>
+                <a:latin typeface="+mn-lt"/>
+                <a:ea typeface="+mn-ea"/>
+                <a:cs typeface="+mn-cs"/>
+              </a:defRPr>
+            </a:lvl3pPr>
+            <a:lvl4pPr marL="1371600" algn="l" defTabSz="914400" rtl="0" eaLnBrk="1" latinLnBrk="0" hangingPunct="1">
+              <a:defRPr sz="1800" kern="1200">
+                <a:solidFill>
+                  <a:schemeClr val="lt1"/>
+                </a:solidFill>
+                <a:latin typeface="+mn-lt"/>
+                <a:ea typeface="+mn-ea"/>
+                <a:cs typeface="+mn-cs"/>
+              </a:defRPr>
+            </a:lvl4pPr>
+            <a:lvl5pPr marL="1828800" algn="l" defTabSz="914400" rtl="0" eaLnBrk="1" latinLnBrk="0" hangingPunct="1">
+              <a:defRPr sz="1800" kern="1200">
+                <a:solidFill>
+                  <a:schemeClr val="lt1"/>
+                </a:solidFill>
+                <a:latin typeface="+mn-lt"/>
+                <a:ea typeface="+mn-ea"/>
+                <a:cs typeface="+mn-cs"/>
+              </a:defRPr>
+            </a:lvl5pPr>
+            <a:lvl6pPr marL="2286000" algn="l" defTabSz="914400" rtl="0" eaLnBrk="1" latinLnBrk="0" hangingPunct="1">
+              <a:defRPr sz="1800" kern="1200">
+                <a:solidFill>
+                  <a:schemeClr val="lt1"/>
+                </a:solidFill>
+                <a:latin typeface="+mn-lt"/>
+                <a:ea typeface="+mn-ea"/>
+                <a:cs typeface="+mn-cs"/>
+              </a:defRPr>
+            </a:lvl6pPr>
+            <a:lvl7pPr marL="2743200" algn="l" defTabSz="914400" rtl="0" eaLnBrk="1" latinLnBrk="0" hangingPunct="1">
+              <a:defRPr sz="1800" kern="1200">
+                <a:solidFill>
+                  <a:schemeClr val="lt1"/>
+                </a:solidFill>
+                <a:latin typeface="+mn-lt"/>
+                <a:ea typeface="+mn-ea"/>
+                <a:cs typeface="+mn-cs"/>
+              </a:defRPr>
+            </a:lvl7pPr>
+            <a:lvl8pPr marL="3200400" algn="l" defTabSz="914400" rtl="0" eaLnBrk="1" latinLnBrk="0" hangingPunct="1">
+              <a:defRPr sz="1800" kern="1200">
+                <a:solidFill>
+                  <a:schemeClr val="lt1"/>
+                </a:solidFill>
+                <a:latin typeface="+mn-lt"/>
+                <a:ea typeface="+mn-ea"/>
+                <a:cs typeface="+mn-cs"/>
+              </a:defRPr>
+            </a:lvl8pPr>
+            <a:lvl9pPr marL="3657600" algn="l" defTabSz="914400" rtl="0" eaLnBrk="1" latinLnBrk="0" hangingPunct="1">
+              <a:defRPr sz="1800" kern="1200">
+                <a:solidFill>
+                  <a:schemeClr val="lt1"/>
+                </a:solidFill>
+                <a:latin typeface="+mn-lt"/>
+                <a:ea typeface="+mn-ea"/>
+                <a:cs typeface="+mn-cs"/>
+              </a:defRPr>
+            </a:lvl9pPr>
+          </a:lstStyle>
+          <a:p>
+            <a:pPr algn="ctr"/>
+            <a:endParaRPr lang="zh-CN" altLang="en-US"/>
+          </a:p>
+        </p:txBody>
+      </p:sp>
+      <p:sp>
+        <p:nvSpPr>
+          <p:cNvPr id="21" name="椭圆 20">
+            <a:extLst>
+              <a:ext uri="{FF2B5EF4-FFF2-40B4-BE49-F238E27FC236}">
+                <a16:creationId xmlns:a16="http://schemas.microsoft.com/office/drawing/2014/main" id="{4F3AEF2D-3F21-A997-0405-CFAE2FB27277}"/>
+              </a:ext>
+            </a:extLst>
+          </p:cNvPr>
+          <p:cNvSpPr/>
+          <p:nvPr/>
+        </p:nvSpPr>
+        <p:spPr>
+          <a:xfrm>
+            <a:off x="6588835" y="3959521"/>
+            <a:ext cx="114299" cy="104477"/>
+          </a:xfrm>
+          <a:prstGeom prst="ellipse">
+            <a:avLst/>
+          </a:prstGeom>
+          <a:solidFill>
+            <a:srgbClr val="FFFF00"/>
+          </a:solidFill>
+        </p:spPr>
+        <p:style>
+          <a:lnRef idx="2">
+            <a:schemeClr val="accent1">
+              <a:shade val="50000"/>
+            </a:schemeClr>
+          </a:lnRef>
+          <a:fillRef idx="1">
+            <a:schemeClr val="accent1"/>
+          </a:fillRef>
+          <a:effectRef idx="0">
+            <a:schemeClr val="accent1"/>
+          </a:effectRef>
+          <a:fontRef idx="minor">
+            <a:schemeClr val="lt1"/>
+          </a:fontRef>
+        </p:style>
+        <p:txBody>
+          <a:bodyPr rtlCol="0" anchor="ctr"/>
+          <a:lstStyle>
+            <a:defPPr>
+              <a:defRPr lang="zh-CN"/>
+            </a:defPPr>
+            <a:lvl1pPr marL="0" algn="l" defTabSz="914400" rtl="0" eaLnBrk="1" latinLnBrk="0" hangingPunct="1">
+              <a:defRPr sz="1800" kern="1200">
+                <a:solidFill>
+                  <a:schemeClr val="lt1"/>
+                </a:solidFill>
+                <a:latin typeface="+mn-lt"/>
+                <a:ea typeface="+mn-ea"/>
+                <a:cs typeface="+mn-cs"/>
+              </a:defRPr>
+            </a:lvl1pPr>
+            <a:lvl2pPr marL="457200" algn="l" defTabSz="914400" rtl="0" eaLnBrk="1" latinLnBrk="0" hangingPunct="1">
+              <a:defRPr sz="1800" kern="1200">
+                <a:solidFill>
+                  <a:schemeClr val="lt1"/>
+                </a:solidFill>
+                <a:latin typeface="+mn-lt"/>
+                <a:ea typeface="+mn-ea"/>
+                <a:cs typeface="+mn-cs"/>
+              </a:defRPr>
+            </a:lvl2pPr>
+            <a:lvl3pPr marL="914400" algn="l" defTabSz="914400" rtl="0" eaLnBrk="1" latinLnBrk="0" hangingPunct="1">
+              <a:defRPr sz="1800" kern="1200">
+                <a:solidFill>
+                  <a:schemeClr val="lt1"/>
+                </a:solidFill>
+                <a:latin typeface="+mn-lt"/>
+                <a:ea typeface="+mn-ea"/>
+                <a:cs typeface="+mn-cs"/>
+              </a:defRPr>
+            </a:lvl3pPr>
+            <a:lvl4pPr marL="1371600" algn="l" defTabSz="914400" rtl="0" eaLnBrk="1" latinLnBrk="0" hangingPunct="1">
+              <a:defRPr sz="1800" kern="1200">
+                <a:solidFill>
+                  <a:schemeClr val="lt1"/>
+                </a:solidFill>
+                <a:latin typeface="+mn-lt"/>
+                <a:ea typeface="+mn-ea"/>
+                <a:cs typeface="+mn-cs"/>
+              </a:defRPr>
+            </a:lvl4pPr>
+            <a:lvl5pPr marL="1828800" algn="l" defTabSz="914400" rtl="0" eaLnBrk="1" latinLnBrk="0" hangingPunct="1">
+              <a:defRPr sz="1800" kern="1200">
+                <a:solidFill>
+                  <a:schemeClr val="lt1"/>
+                </a:solidFill>
+                <a:latin typeface="+mn-lt"/>
+                <a:ea typeface="+mn-ea"/>
+                <a:cs typeface="+mn-cs"/>
+              </a:defRPr>
+            </a:lvl5pPr>
+            <a:lvl6pPr marL="2286000" algn="l" defTabSz="914400" rtl="0" eaLnBrk="1" latinLnBrk="0" hangingPunct="1">
+              <a:defRPr sz="1800" kern="1200">
+                <a:solidFill>
+                  <a:schemeClr val="lt1"/>
+                </a:solidFill>
+                <a:latin typeface="+mn-lt"/>
+                <a:ea typeface="+mn-ea"/>
+                <a:cs typeface="+mn-cs"/>
+              </a:defRPr>
+            </a:lvl6pPr>
+            <a:lvl7pPr marL="2743200" algn="l" defTabSz="914400" rtl="0" eaLnBrk="1" latinLnBrk="0" hangingPunct="1">
+              <a:defRPr sz="1800" kern="1200">
+                <a:solidFill>
+                  <a:schemeClr val="lt1"/>
+                </a:solidFill>
+                <a:latin typeface="+mn-lt"/>
+                <a:ea typeface="+mn-ea"/>
+                <a:cs typeface="+mn-cs"/>
+              </a:defRPr>
+            </a:lvl7pPr>
+            <a:lvl8pPr marL="3200400" algn="l" defTabSz="914400" rtl="0" eaLnBrk="1" latinLnBrk="0" hangingPunct="1">
+              <a:defRPr sz="1800" kern="1200">
+                <a:solidFill>
+                  <a:schemeClr val="lt1"/>
+                </a:solidFill>
+                <a:latin typeface="+mn-lt"/>
+                <a:ea typeface="+mn-ea"/>
+                <a:cs typeface="+mn-cs"/>
+              </a:defRPr>
+            </a:lvl8pPr>
+            <a:lvl9pPr marL="3657600" algn="l" defTabSz="914400" rtl="0" eaLnBrk="1" latinLnBrk="0" hangingPunct="1">
+              <a:defRPr sz="1800" kern="1200">
+                <a:solidFill>
+                  <a:schemeClr val="lt1"/>
+                </a:solidFill>
+                <a:latin typeface="+mn-lt"/>
+                <a:ea typeface="+mn-ea"/>
+                <a:cs typeface="+mn-cs"/>
+              </a:defRPr>
+            </a:lvl9pPr>
+          </a:lstStyle>
+          <a:p>
+            <a:pPr algn="ctr"/>
+            <a:endParaRPr lang="zh-CN" altLang="en-US"/>
+          </a:p>
+        </p:txBody>
+      </p:sp>
+      <p:sp>
+        <p:nvSpPr>
+          <p:cNvPr id="22" name="椭圆 21">
+            <a:extLst>
+              <a:ext uri="{FF2B5EF4-FFF2-40B4-BE49-F238E27FC236}">
+                <a16:creationId xmlns:a16="http://schemas.microsoft.com/office/drawing/2014/main" id="{49898DA0-8663-79EB-4463-D0B53270CAD7}"/>
+              </a:ext>
+            </a:extLst>
+          </p:cNvPr>
+          <p:cNvSpPr/>
+          <p:nvPr/>
+        </p:nvSpPr>
+        <p:spPr>
+          <a:xfrm>
+            <a:off x="7949295" y="3959521"/>
+            <a:ext cx="114299" cy="104477"/>
+          </a:xfrm>
+          <a:prstGeom prst="ellipse">
+            <a:avLst/>
+          </a:prstGeom>
+          <a:solidFill>
+            <a:srgbClr val="FF0000"/>
+          </a:solidFill>
+        </p:spPr>
+        <p:style>
+          <a:lnRef idx="2">
+            <a:schemeClr val="accent1">
+              <a:shade val="50000"/>
+            </a:schemeClr>
+          </a:lnRef>
+          <a:fillRef idx="1">
+            <a:schemeClr val="accent1"/>
+          </a:fillRef>
+          <a:effectRef idx="0">
+            <a:schemeClr val="accent1"/>
+          </a:effectRef>
+          <a:fontRef idx="minor">
+            <a:schemeClr val="lt1"/>
+          </a:fontRef>
+        </p:style>
+        <p:txBody>
+          <a:bodyPr rtlCol="0" anchor="ctr"/>
+          <a:lstStyle>
+            <a:defPPr>
+              <a:defRPr lang="zh-CN"/>
+            </a:defPPr>
+            <a:lvl1pPr marL="0" algn="l" defTabSz="914400" rtl="0" eaLnBrk="1" latinLnBrk="0" hangingPunct="1">
+              <a:defRPr sz="1800" kern="1200">
+                <a:solidFill>
+                  <a:schemeClr val="lt1"/>
+                </a:solidFill>
+                <a:latin typeface="+mn-lt"/>
+                <a:ea typeface="+mn-ea"/>
+                <a:cs typeface="+mn-cs"/>
+              </a:defRPr>
+            </a:lvl1pPr>
+            <a:lvl2pPr marL="457200" algn="l" defTabSz="914400" rtl="0" eaLnBrk="1" latinLnBrk="0" hangingPunct="1">
+              <a:defRPr sz="1800" kern="1200">
+                <a:solidFill>
+                  <a:schemeClr val="lt1"/>
+                </a:solidFill>
+                <a:latin typeface="+mn-lt"/>
+                <a:ea typeface="+mn-ea"/>
+                <a:cs typeface="+mn-cs"/>
+              </a:defRPr>
+            </a:lvl2pPr>
+            <a:lvl3pPr marL="914400" algn="l" defTabSz="914400" rtl="0" eaLnBrk="1" latinLnBrk="0" hangingPunct="1">
+              <a:defRPr sz="1800" kern="1200">
+                <a:solidFill>
+                  <a:schemeClr val="lt1"/>
+                </a:solidFill>
+                <a:latin typeface="+mn-lt"/>
+                <a:ea typeface="+mn-ea"/>
+                <a:cs typeface="+mn-cs"/>
+              </a:defRPr>
+            </a:lvl3pPr>
+            <a:lvl4pPr marL="1371600" algn="l" defTabSz="914400" rtl="0" eaLnBrk="1" latinLnBrk="0" hangingPunct="1">
+              <a:defRPr sz="1800" kern="1200">
+                <a:solidFill>
+                  <a:schemeClr val="lt1"/>
+                </a:solidFill>
+                <a:latin typeface="+mn-lt"/>
+                <a:ea typeface="+mn-ea"/>
+                <a:cs typeface="+mn-cs"/>
+              </a:defRPr>
+            </a:lvl4pPr>
+            <a:lvl5pPr marL="1828800" algn="l" defTabSz="914400" rtl="0" eaLnBrk="1" latinLnBrk="0" hangingPunct="1">
+              <a:defRPr sz="1800" kern="1200">
+                <a:solidFill>
+                  <a:schemeClr val="lt1"/>
+                </a:solidFill>
+                <a:latin typeface="+mn-lt"/>
+                <a:ea typeface="+mn-ea"/>
+                <a:cs typeface="+mn-cs"/>
+              </a:defRPr>
+            </a:lvl5pPr>
+            <a:lvl6pPr marL="2286000" algn="l" defTabSz="914400" rtl="0" eaLnBrk="1" latinLnBrk="0" hangingPunct="1">
+              <a:defRPr sz="1800" kern="1200">
+                <a:solidFill>
+                  <a:schemeClr val="lt1"/>
+                </a:solidFill>
+                <a:latin typeface="+mn-lt"/>
+                <a:ea typeface="+mn-ea"/>
+                <a:cs typeface="+mn-cs"/>
+              </a:defRPr>
+            </a:lvl6pPr>
+            <a:lvl7pPr marL="2743200" algn="l" defTabSz="914400" rtl="0" eaLnBrk="1" latinLnBrk="0" hangingPunct="1">
+              <a:defRPr sz="1800" kern="1200">
+                <a:solidFill>
+                  <a:schemeClr val="lt1"/>
+                </a:solidFill>
+                <a:latin typeface="+mn-lt"/>
+                <a:ea typeface="+mn-ea"/>
+                <a:cs typeface="+mn-cs"/>
+              </a:defRPr>
+            </a:lvl7pPr>
+            <a:lvl8pPr marL="3200400" algn="l" defTabSz="914400" rtl="0" eaLnBrk="1" latinLnBrk="0" hangingPunct="1">
+              <a:defRPr sz="1800" kern="1200">
+                <a:solidFill>
+                  <a:schemeClr val="lt1"/>
+                </a:solidFill>
+                <a:latin typeface="+mn-lt"/>
+                <a:ea typeface="+mn-ea"/>
+                <a:cs typeface="+mn-cs"/>
+              </a:defRPr>
+            </a:lvl8pPr>
+            <a:lvl9pPr marL="3657600" algn="l" defTabSz="914400" rtl="0" eaLnBrk="1" latinLnBrk="0" hangingPunct="1">
+              <a:defRPr sz="1800" kern="1200">
+                <a:solidFill>
+                  <a:schemeClr val="lt1"/>
+                </a:solidFill>
+                <a:latin typeface="+mn-lt"/>
+                <a:ea typeface="+mn-ea"/>
+                <a:cs typeface="+mn-cs"/>
+              </a:defRPr>
+            </a:lvl9pPr>
+          </a:lstStyle>
+          <a:p>
+            <a:pPr algn="ctr"/>
+            <a:endParaRPr lang="zh-CN" altLang="en-US"/>
+          </a:p>
+        </p:txBody>
+      </p:sp>
+      <p:grpSp>
+        <p:nvGrpSpPr>
+          <p:cNvPr id="39" name="组合 38">
+            <a:extLst>
+              <a:ext uri="{FF2B5EF4-FFF2-40B4-BE49-F238E27FC236}">
+                <a16:creationId xmlns:a16="http://schemas.microsoft.com/office/drawing/2014/main" id="{9964A4DD-D772-73D2-5912-52B338565D61}"/>
+              </a:ext>
+            </a:extLst>
+          </p:cNvPr>
+          <p:cNvGrpSpPr/>
+          <p:nvPr/>
+        </p:nvGrpSpPr>
+        <p:grpSpPr>
+          <a:xfrm>
+            <a:off x="3838770" y="5791131"/>
+            <a:ext cx="529498" cy="338554"/>
+            <a:chOff x="9897527" y="4597918"/>
+            <a:chExt cx="529498" cy="338554"/>
+          </a:xfrm>
+        </p:grpSpPr>
+        <p:sp>
+          <p:nvSpPr>
+            <p:cNvPr id="28" name="椭圆 27">
+              <a:extLst>
+                <a:ext uri="{FF2B5EF4-FFF2-40B4-BE49-F238E27FC236}">
+                  <a16:creationId xmlns:a16="http://schemas.microsoft.com/office/drawing/2014/main" id="{A2E7A1F8-B7F1-0943-27F1-DAC684A8CBD5}"/>
+                </a:ext>
+              </a:extLst>
+            </p:cNvPr>
+            <p:cNvSpPr/>
+            <p:nvPr/>
+          </p:nvSpPr>
+          <p:spPr>
+            <a:xfrm>
+              <a:off x="9897527" y="4740357"/>
+              <a:ext cx="114299" cy="104477"/>
+            </a:xfrm>
+            <a:prstGeom prst="ellipse">
+              <a:avLst/>
+            </a:prstGeom>
+          </p:spPr>
+          <p:style>
+            <a:lnRef idx="2">
+              <a:schemeClr val="accent1">
+                <a:shade val="50000"/>
+              </a:schemeClr>
+            </a:lnRef>
+            <a:fillRef idx="1">
+              <a:schemeClr val="accent1"/>
+            </a:fillRef>
+            <a:effectRef idx="0">
+              <a:schemeClr val="accent1"/>
+            </a:effectRef>
+            <a:fontRef idx="minor">
+              <a:schemeClr val="lt1"/>
+            </a:fontRef>
+          </p:style>
+          <p:txBody>
+            <a:bodyPr rtlCol="0" anchor="ctr"/>
+            <a:lstStyle>
+              <a:defPPr>
+                <a:defRPr lang="zh-CN"/>
+              </a:defPPr>
+              <a:lvl1pPr marL="0" algn="l" defTabSz="914400" rtl="0" eaLnBrk="1" latinLnBrk="0" hangingPunct="1">
+                <a:defRPr sz="1800" kern="1200">
+                  <a:solidFill>
+                    <a:schemeClr val="lt1"/>
+                  </a:solidFill>
+                  <a:latin typeface="+mn-lt"/>
+                  <a:ea typeface="+mn-ea"/>
+                  <a:cs typeface="+mn-cs"/>
+                </a:defRPr>
+              </a:lvl1pPr>
+              <a:lvl2pPr marL="457200" algn="l" defTabSz="914400" rtl="0" eaLnBrk="1" latinLnBrk="0" hangingPunct="1">
+                <a:defRPr sz="1800" kern="1200">
+                  <a:solidFill>
+                    <a:schemeClr val="lt1"/>
+                  </a:solidFill>
+                  <a:latin typeface="+mn-lt"/>
+                  <a:ea typeface="+mn-ea"/>
+                  <a:cs typeface="+mn-cs"/>
+                </a:defRPr>
+              </a:lvl2pPr>
+              <a:lvl3pPr marL="914400" algn="l" defTabSz="914400" rtl="0" eaLnBrk="1" latinLnBrk="0" hangingPunct="1">
+                <a:defRPr sz="1800" kern="1200">
+                  <a:solidFill>
+                    <a:schemeClr val="lt1"/>
+                  </a:solidFill>
+                  <a:latin typeface="+mn-lt"/>
+                  <a:ea typeface="+mn-ea"/>
+                  <a:cs typeface="+mn-cs"/>
+                </a:defRPr>
+              </a:lvl3pPr>
+              <a:lvl4pPr marL="1371600" algn="l" defTabSz="914400" rtl="0" eaLnBrk="1" latinLnBrk="0" hangingPunct="1">
+                <a:defRPr sz="1800" kern="1200">
+                  <a:solidFill>
+                    <a:schemeClr val="lt1"/>
+                  </a:solidFill>
+                  <a:latin typeface="+mn-lt"/>
+                  <a:ea typeface="+mn-ea"/>
+                  <a:cs typeface="+mn-cs"/>
+                </a:defRPr>
+              </a:lvl4pPr>
+              <a:lvl5pPr marL="1828800" algn="l" defTabSz="914400" rtl="0" eaLnBrk="1" latinLnBrk="0" hangingPunct="1">
+                <a:defRPr sz="1800" kern="1200">
+                  <a:solidFill>
+                    <a:schemeClr val="lt1"/>
+                  </a:solidFill>
+                  <a:latin typeface="+mn-lt"/>
+                  <a:ea typeface="+mn-ea"/>
+                  <a:cs typeface="+mn-cs"/>
+                </a:defRPr>
+              </a:lvl5pPr>
+              <a:lvl6pPr marL="2286000" algn="l" defTabSz="914400" rtl="0" eaLnBrk="1" latinLnBrk="0" hangingPunct="1">
+                <a:defRPr sz="1800" kern="1200">
+                  <a:solidFill>
+                    <a:schemeClr val="lt1"/>
+                  </a:solidFill>
+                  <a:latin typeface="+mn-lt"/>
+                  <a:ea typeface="+mn-ea"/>
+                  <a:cs typeface="+mn-cs"/>
+                </a:defRPr>
+              </a:lvl6pPr>
+              <a:lvl7pPr marL="2743200" algn="l" defTabSz="914400" rtl="0" eaLnBrk="1" latinLnBrk="0" hangingPunct="1">
+                <a:defRPr sz="1800" kern="1200">
+                  <a:solidFill>
+                    <a:schemeClr val="lt1"/>
+                  </a:solidFill>
+                  <a:latin typeface="+mn-lt"/>
+                  <a:ea typeface="+mn-ea"/>
+                  <a:cs typeface="+mn-cs"/>
+                </a:defRPr>
+              </a:lvl7pPr>
+              <a:lvl8pPr marL="3200400" algn="l" defTabSz="914400" rtl="0" eaLnBrk="1" latinLnBrk="0" hangingPunct="1">
+                <a:defRPr sz="1800" kern="1200">
+                  <a:solidFill>
+                    <a:schemeClr val="lt1"/>
+                  </a:solidFill>
+                  <a:latin typeface="+mn-lt"/>
+                  <a:ea typeface="+mn-ea"/>
+                  <a:cs typeface="+mn-cs"/>
+                </a:defRPr>
+              </a:lvl8pPr>
+              <a:lvl9pPr marL="3657600" algn="l" defTabSz="914400" rtl="0" eaLnBrk="1" latinLnBrk="0" hangingPunct="1">
+                <a:defRPr sz="1800" kern="1200">
+                  <a:solidFill>
+                    <a:schemeClr val="lt1"/>
+                  </a:solidFill>
+                  <a:latin typeface="+mn-lt"/>
+                  <a:ea typeface="+mn-ea"/>
+                  <a:cs typeface="+mn-cs"/>
+                </a:defRPr>
+              </a:lvl9pPr>
+            </a:lstStyle>
+            <a:p>
+              <a:pPr algn="ctr"/>
+              <a:endParaRPr lang="zh-CN" altLang="en-US"/>
+            </a:p>
+          </p:txBody>
+        </p:sp>
+        <p:sp>
+          <p:nvSpPr>
+            <p:cNvPr id="32" name="文本框 31">
+              <a:extLst>
+                <a:ext uri="{FF2B5EF4-FFF2-40B4-BE49-F238E27FC236}">
+                  <a16:creationId xmlns:a16="http://schemas.microsoft.com/office/drawing/2014/main" id="{C189D75F-5407-1A07-4B40-4905056B11C4}"/>
+                </a:ext>
+              </a:extLst>
+            </p:cNvPr>
+            <p:cNvSpPr txBox="1"/>
+            <p:nvPr/>
+          </p:nvSpPr>
+          <p:spPr>
+            <a:xfrm>
+              <a:off x="10128545" y="4597918"/>
+              <a:ext cx="298480" cy="338554"/>
+            </a:xfrm>
+            <a:prstGeom prst="rect">
+              <a:avLst/>
+            </a:prstGeom>
+            <a:noFill/>
+          </p:spPr>
+          <p:txBody>
+            <a:bodyPr wrap="none" rtlCol="0">
+              <a:spAutoFit/>
+            </a:bodyPr>
+            <a:lstStyle/>
+            <a:p>
+              <a:r>
+                <a:rPr lang="en-US" altLang="zh-CN" sz="1600" dirty="0"/>
+                <a:t>1</a:t>
+              </a:r>
+              <a:endParaRPr lang="zh-CN" altLang="en-US" sz="1600" dirty="0"/>
+            </a:p>
+          </p:txBody>
+        </p:sp>
+      </p:grpSp>
+      <p:grpSp>
+        <p:nvGrpSpPr>
+          <p:cNvPr id="40" name="组合 39">
+            <a:extLst>
+              <a:ext uri="{FF2B5EF4-FFF2-40B4-BE49-F238E27FC236}">
+                <a16:creationId xmlns:a16="http://schemas.microsoft.com/office/drawing/2014/main" id="{5A559745-AECF-9031-7665-8CB3527F7C3B}"/>
+              </a:ext>
+            </a:extLst>
+          </p:cNvPr>
+          <p:cNvGrpSpPr/>
+          <p:nvPr/>
+        </p:nvGrpSpPr>
+        <p:grpSpPr>
+          <a:xfrm>
+            <a:off x="5050905" y="5791131"/>
+            <a:ext cx="529498" cy="338554"/>
+            <a:chOff x="9897527" y="5009032"/>
+            <a:chExt cx="529498" cy="338554"/>
+          </a:xfrm>
+        </p:grpSpPr>
+        <p:sp>
+          <p:nvSpPr>
+            <p:cNvPr id="29" name="椭圆 28">
+              <a:extLst>
+                <a:ext uri="{FF2B5EF4-FFF2-40B4-BE49-F238E27FC236}">
+                  <a16:creationId xmlns:a16="http://schemas.microsoft.com/office/drawing/2014/main" id="{F35A9403-CB39-D1B9-9A50-65FF7CB1E3B8}"/>
+                </a:ext>
+              </a:extLst>
+            </p:cNvPr>
+            <p:cNvSpPr/>
+            <p:nvPr/>
+          </p:nvSpPr>
+          <p:spPr>
+            <a:xfrm>
+              <a:off x="9897527" y="5134058"/>
+              <a:ext cx="114299" cy="104477"/>
+            </a:xfrm>
+            <a:prstGeom prst="ellipse">
+              <a:avLst/>
+            </a:prstGeom>
+            <a:solidFill>
+              <a:srgbClr val="92D050"/>
+            </a:solidFill>
+          </p:spPr>
+          <p:style>
+            <a:lnRef idx="2">
+              <a:schemeClr val="accent1">
+                <a:shade val="50000"/>
+              </a:schemeClr>
+            </a:lnRef>
+            <a:fillRef idx="1">
+              <a:schemeClr val="accent1"/>
+            </a:fillRef>
+            <a:effectRef idx="0">
+              <a:schemeClr val="accent1"/>
+            </a:effectRef>
+            <a:fontRef idx="minor">
+              <a:schemeClr val="lt1"/>
+            </a:fontRef>
+          </p:style>
+          <p:txBody>
+            <a:bodyPr rtlCol="0" anchor="ctr"/>
+            <a:lstStyle>
+              <a:defPPr>
+                <a:defRPr lang="zh-CN"/>
+              </a:defPPr>
+              <a:lvl1pPr marL="0" algn="l" defTabSz="914400" rtl="0" eaLnBrk="1" latinLnBrk="0" hangingPunct="1">
+                <a:defRPr sz="1800" kern="1200">
+                  <a:solidFill>
+                    <a:schemeClr val="lt1"/>
+                  </a:solidFill>
+                  <a:latin typeface="+mn-lt"/>
+                  <a:ea typeface="+mn-ea"/>
+                  <a:cs typeface="+mn-cs"/>
+                </a:defRPr>
+              </a:lvl1pPr>
+              <a:lvl2pPr marL="457200" algn="l" defTabSz="914400" rtl="0" eaLnBrk="1" latinLnBrk="0" hangingPunct="1">
+                <a:defRPr sz="1800" kern="1200">
+                  <a:solidFill>
+                    <a:schemeClr val="lt1"/>
+                  </a:solidFill>
+                  <a:latin typeface="+mn-lt"/>
+                  <a:ea typeface="+mn-ea"/>
+                  <a:cs typeface="+mn-cs"/>
+                </a:defRPr>
+              </a:lvl2pPr>
+              <a:lvl3pPr marL="914400" algn="l" defTabSz="914400" rtl="0" eaLnBrk="1" latinLnBrk="0" hangingPunct="1">
+                <a:defRPr sz="1800" kern="1200">
+                  <a:solidFill>
+                    <a:schemeClr val="lt1"/>
+                  </a:solidFill>
+                  <a:latin typeface="+mn-lt"/>
+                  <a:ea typeface="+mn-ea"/>
+                  <a:cs typeface="+mn-cs"/>
+                </a:defRPr>
+              </a:lvl3pPr>
+              <a:lvl4pPr marL="1371600" algn="l" defTabSz="914400" rtl="0" eaLnBrk="1" latinLnBrk="0" hangingPunct="1">
+                <a:defRPr sz="1800" kern="1200">
+                  <a:solidFill>
+                    <a:schemeClr val="lt1"/>
+                  </a:solidFill>
+                  <a:latin typeface="+mn-lt"/>
+                  <a:ea typeface="+mn-ea"/>
+                  <a:cs typeface="+mn-cs"/>
+                </a:defRPr>
+              </a:lvl4pPr>
+              <a:lvl5pPr marL="1828800" algn="l" defTabSz="914400" rtl="0" eaLnBrk="1" latinLnBrk="0" hangingPunct="1">
+                <a:defRPr sz="1800" kern="1200">
+                  <a:solidFill>
+                    <a:schemeClr val="lt1"/>
+                  </a:solidFill>
+                  <a:latin typeface="+mn-lt"/>
+                  <a:ea typeface="+mn-ea"/>
+                  <a:cs typeface="+mn-cs"/>
+                </a:defRPr>
+              </a:lvl5pPr>
+              <a:lvl6pPr marL="2286000" algn="l" defTabSz="914400" rtl="0" eaLnBrk="1" latinLnBrk="0" hangingPunct="1">
+                <a:defRPr sz="1800" kern="1200">
+                  <a:solidFill>
+                    <a:schemeClr val="lt1"/>
+                  </a:solidFill>
+                  <a:latin typeface="+mn-lt"/>
+                  <a:ea typeface="+mn-ea"/>
+                  <a:cs typeface="+mn-cs"/>
+                </a:defRPr>
+              </a:lvl6pPr>
+              <a:lvl7pPr marL="2743200" algn="l" defTabSz="914400" rtl="0" eaLnBrk="1" latinLnBrk="0" hangingPunct="1">
+                <a:defRPr sz="1800" kern="1200">
+                  <a:solidFill>
+                    <a:schemeClr val="lt1"/>
+                  </a:solidFill>
+                  <a:latin typeface="+mn-lt"/>
+                  <a:ea typeface="+mn-ea"/>
+                  <a:cs typeface="+mn-cs"/>
+                </a:defRPr>
+              </a:lvl7pPr>
+              <a:lvl8pPr marL="3200400" algn="l" defTabSz="914400" rtl="0" eaLnBrk="1" latinLnBrk="0" hangingPunct="1">
+                <a:defRPr sz="1800" kern="1200">
+                  <a:solidFill>
+                    <a:schemeClr val="lt1"/>
+                  </a:solidFill>
+                  <a:latin typeface="+mn-lt"/>
+                  <a:ea typeface="+mn-ea"/>
+                  <a:cs typeface="+mn-cs"/>
+                </a:defRPr>
+              </a:lvl8pPr>
+              <a:lvl9pPr marL="3657600" algn="l" defTabSz="914400" rtl="0" eaLnBrk="1" latinLnBrk="0" hangingPunct="1">
+                <a:defRPr sz="1800" kern="1200">
+                  <a:solidFill>
+                    <a:schemeClr val="lt1"/>
+                  </a:solidFill>
+                  <a:latin typeface="+mn-lt"/>
+                  <a:ea typeface="+mn-ea"/>
+                  <a:cs typeface="+mn-cs"/>
+                </a:defRPr>
+              </a:lvl9pPr>
+            </a:lstStyle>
+            <a:p>
+              <a:pPr algn="ctr"/>
+              <a:endParaRPr lang="zh-CN" altLang="en-US"/>
+            </a:p>
+          </p:txBody>
+        </p:sp>
+        <p:sp>
+          <p:nvSpPr>
+            <p:cNvPr id="33" name="文本框 32">
+              <a:extLst>
+                <a:ext uri="{FF2B5EF4-FFF2-40B4-BE49-F238E27FC236}">
+                  <a16:creationId xmlns:a16="http://schemas.microsoft.com/office/drawing/2014/main" id="{CB703AEB-89AB-A26E-9328-F8E60C266602}"/>
+                </a:ext>
+              </a:extLst>
+            </p:cNvPr>
+            <p:cNvSpPr txBox="1"/>
+            <p:nvPr/>
+          </p:nvSpPr>
+          <p:spPr>
+            <a:xfrm>
+              <a:off x="10128545" y="5009032"/>
+              <a:ext cx="298480" cy="338554"/>
+            </a:xfrm>
+            <a:prstGeom prst="rect">
+              <a:avLst/>
+            </a:prstGeom>
+            <a:noFill/>
+          </p:spPr>
+          <p:txBody>
+            <a:bodyPr wrap="none" rtlCol="0">
+              <a:spAutoFit/>
+            </a:bodyPr>
+            <a:lstStyle/>
+            <a:p>
+              <a:r>
+                <a:rPr lang="en-US" altLang="zh-CN" sz="1600" dirty="0"/>
+                <a:t>2</a:t>
+              </a:r>
+              <a:endParaRPr lang="zh-CN" altLang="en-US" sz="1600" dirty="0"/>
+            </a:p>
+          </p:txBody>
+        </p:sp>
+      </p:grpSp>
+      <p:grpSp>
+        <p:nvGrpSpPr>
+          <p:cNvPr id="41" name="组合 40">
+            <a:extLst>
+              <a:ext uri="{FF2B5EF4-FFF2-40B4-BE49-F238E27FC236}">
+                <a16:creationId xmlns:a16="http://schemas.microsoft.com/office/drawing/2014/main" id="{70C8D760-24FD-E3F7-D6F9-12A11832F9DF}"/>
+              </a:ext>
+            </a:extLst>
+          </p:cNvPr>
+          <p:cNvGrpSpPr/>
+          <p:nvPr/>
+        </p:nvGrpSpPr>
+        <p:grpSpPr>
+          <a:xfrm>
+            <a:off x="6263040" y="5791131"/>
+            <a:ext cx="529498" cy="338554"/>
+            <a:chOff x="9897527" y="5420146"/>
+            <a:chExt cx="529498" cy="338554"/>
+          </a:xfrm>
+        </p:grpSpPr>
+        <p:sp>
+          <p:nvSpPr>
+            <p:cNvPr id="30" name="椭圆 29">
+              <a:extLst>
+                <a:ext uri="{FF2B5EF4-FFF2-40B4-BE49-F238E27FC236}">
+                  <a16:creationId xmlns:a16="http://schemas.microsoft.com/office/drawing/2014/main" id="{77C4589E-9D99-D932-54BF-71830C4D78FE}"/>
+                </a:ext>
+              </a:extLst>
+            </p:cNvPr>
+            <p:cNvSpPr/>
+            <p:nvPr/>
+          </p:nvSpPr>
+          <p:spPr>
+            <a:xfrm>
+              <a:off x="9897527" y="5527759"/>
+              <a:ext cx="114299" cy="104477"/>
+            </a:xfrm>
+            <a:prstGeom prst="ellipse">
+              <a:avLst/>
+            </a:prstGeom>
+            <a:solidFill>
+              <a:srgbClr val="FFFF00"/>
+            </a:solidFill>
+          </p:spPr>
+          <p:style>
+            <a:lnRef idx="2">
+              <a:schemeClr val="accent1">
+                <a:shade val="50000"/>
+              </a:schemeClr>
+            </a:lnRef>
+            <a:fillRef idx="1">
+              <a:schemeClr val="accent1"/>
+            </a:fillRef>
+            <a:effectRef idx="0">
+              <a:schemeClr val="accent1"/>
+            </a:effectRef>
+            <a:fontRef idx="minor">
+              <a:schemeClr val="lt1"/>
+            </a:fontRef>
+          </p:style>
+          <p:txBody>
+            <a:bodyPr rtlCol="0" anchor="ctr"/>
+            <a:lstStyle>
+              <a:defPPr>
+                <a:defRPr lang="zh-CN"/>
+              </a:defPPr>
+              <a:lvl1pPr marL="0" algn="l" defTabSz="914400" rtl="0" eaLnBrk="1" latinLnBrk="0" hangingPunct="1">
+                <a:defRPr sz="1800" kern="1200">
+                  <a:solidFill>
+                    <a:schemeClr val="lt1"/>
+                  </a:solidFill>
+                  <a:latin typeface="+mn-lt"/>
+                  <a:ea typeface="+mn-ea"/>
+                  <a:cs typeface="+mn-cs"/>
+                </a:defRPr>
+              </a:lvl1pPr>
+              <a:lvl2pPr marL="457200" algn="l" defTabSz="914400" rtl="0" eaLnBrk="1" latinLnBrk="0" hangingPunct="1">
+                <a:defRPr sz="1800" kern="1200">
+                  <a:solidFill>
+                    <a:schemeClr val="lt1"/>
+                  </a:solidFill>
+                  <a:latin typeface="+mn-lt"/>
+                  <a:ea typeface="+mn-ea"/>
+                  <a:cs typeface="+mn-cs"/>
+                </a:defRPr>
+              </a:lvl2pPr>
+              <a:lvl3pPr marL="914400" algn="l" defTabSz="914400" rtl="0" eaLnBrk="1" latinLnBrk="0" hangingPunct="1">
+                <a:defRPr sz="1800" kern="1200">
+                  <a:solidFill>
+                    <a:schemeClr val="lt1"/>
+                  </a:solidFill>
+                  <a:latin typeface="+mn-lt"/>
+                  <a:ea typeface="+mn-ea"/>
+                  <a:cs typeface="+mn-cs"/>
+                </a:defRPr>
+              </a:lvl3pPr>
+              <a:lvl4pPr marL="1371600" algn="l" defTabSz="914400" rtl="0" eaLnBrk="1" latinLnBrk="0" hangingPunct="1">
+                <a:defRPr sz="1800" kern="1200">
+                  <a:solidFill>
+                    <a:schemeClr val="lt1"/>
+                  </a:solidFill>
+                  <a:latin typeface="+mn-lt"/>
+                  <a:ea typeface="+mn-ea"/>
+                  <a:cs typeface="+mn-cs"/>
+                </a:defRPr>
+              </a:lvl4pPr>
+              <a:lvl5pPr marL="1828800" algn="l" defTabSz="914400" rtl="0" eaLnBrk="1" latinLnBrk="0" hangingPunct="1">
+                <a:defRPr sz="1800" kern="1200">
+                  <a:solidFill>
+                    <a:schemeClr val="lt1"/>
+                  </a:solidFill>
+                  <a:latin typeface="+mn-lt"/>
+                  <a:ea typeface="+mn-ea"/>
+                  <a:cs typeface="+mn-cs"/>
+                </a:defRPr>
+              </a:lvl5pPr>
+              <a:lvl6pPr marL="2286000" algn="l" defTabSz="914400" rtl="0" eaLnBrk="1" latinLnBrk="0" hangingPunct="1">
+                <a:defRPr sz="1800" kern="1200">
+                  <a:solidFill>
+                    <a:schemeClr val="lt1"/>
+                  </a:solidFill>
+                  <a:latin typeface="+mn-lt"/>
+                  <a:ea typeface="+mn-ea"/>
+                  <a:cs typeface="+mn-cs"/>
+                </a:defRPr>
+              </a:lvl6pPr>
+              <a:lvl7pPr marL="2743200" algn="l" defTabSz="914400" rtl="0" eaLnBrk="1" latinLnBrk="0" hangingPunct="1">
+                <a:defRPr sz="1800" kern="1200">
+                  <a:solidFill>
+                    <a:schemeClr val="lt1"/>
+                  </a:solidFill>
+                  <a:latin typeface="+mn-lt"/>
+                  <a:ea typeface="+mn-ea"/>
+                  <a:cs typeface="+mn-cs"/>
+                </a:defRPr>
+              </a:lvl7pPr>
+              <a:lvl8pPr marL="3200400" algn="l" defTabSz="914400" rtl="0" eaLnBrk="1" latinLnBrk="0" hangingPunct="1">
+                <a:defRPr sz="1800" kern="1200">
+                  <a:solidFill>
+                    <a:schemeClr val="lt1"/>
+                  </a:solidFill>
+                  <a:latin typeface="+mn-lt"/>
+                  <a:ea typeface="+mn-ea"/>
+                  <a:cs typeface="+mn-cs"/>
+                </a:defRPr>
+              </a:lvl8pPr>
+              <a:lvl9pPr marL="3657600" algn="l" defTabSz="914400" rtl="0" eaLnBrk="1" latinLnBrk="0" hangingPunct="1">
+                <a:defRPr sz="1800" kern="1200">
+                  <a:solidFill>
+                    <a:schemeClr val="lt1"/>
+                  </a:solidFill>
+                  <a:latin typeface="+mn-lt"/>
+                  <a:ea typeface="+mn-ea"/>
+                  <a:cs typeface="+mn-cs"/>
+                </a:defRPr>
+              </a:lvl9pPr>
+            </a:lstStyle>
+            <a:p>
+              <a:pPr algn="ctr"/>
+              <a:endParaRPr lang="zh-CN" altLang="en-US"/>
+            </a:p>
+          </p:txBody>
+        </p:sp>
+        <p:sp>
+          <p:nvSpPr>
+            <p:cNvPr id="34" name="文本框 33">
+              <a:extLst>
+                <a:ext uri="{FF2B5EF4-FFF2-40B4-BE49-F238E27FC236}">
+                  <a16:creationId xmlns:a16="http://schemas.microsoft.com/office/drawing/2014/main" id="{5F2C2092-28B1-4538-2FDE-BB9806C506FF}"/>
+                </a:ext>
+              </a:extLst>
+            </p:cNvPr>
+            <p:cNvSpPr txBox="1"/>
+            <p:nvPr/>
+          </p:nvSpPr>
+          <p:spPr>
+            <a:xfrm>
+              <a:off x="10128545" y="5420146"/>
+              <a:ext cx="298480" cy="338554"/>
+            </a:xfrm>
+            <a:prstGeom prst="rect">
+              <a:avLst/>
+            </a:prstGeom>
+            <a:noFill/>
+          </p:spPr>
+          <p:txBody>
+            <a:bodyPr wrap="none" rtlCol="0">
+              <a:spAutoFit/>
+            </a:bodyPr>
+            <a:lstStyle/>
+            <a:p>
+              <a:r>
+                <a:rPr lang="en-US" altLang="zh-CN" sz="1600" dirty="0"/>
+                <a:t>3</a:t>
+              </a:r>
+              <a:endParaRPr lang="zh-CN" altLang="en-US" sz="1600" dirty="0"/>
+            </a:p>
+          </p:txBody>
+        </p:sp>
+      </p:grpSp>
+      <p:grpSp>
+        <p:nvGrpSpPr>
+          <p:cNvPr id="42" name="组合 41">
+            <a:extLst>
+              <a:ext uri="{FF2B5EF4-FFF2-40B4-BE49-F238E27FC236}">
+                <a16:creationId xmlns:a16="http://schemas.microsoft.com/office/drawing/2014/main" id="{8423EDD8-684A-26AF-1136-67EADDE4574D}"/>
+              </a:ext>
+            </a:extLst>
+          </p:cNvPr>
+          <p:cNvGrpSpPr/>
+          <p:nvPr/>
+        </p:nvGrpSpPr>
+        <p:grpSpPr>
+          <a:xfrm>
+            <a:off x="7475176" y="5791131"/>
+            <a:ext cx="529498" cy="338554"/>
+            <a:chOff x="9897527" y="5831259"/>
+            <a:chExt cx="529498" cy="338554"/>
+          </a:xfrm>
+        </p:grpSpPr>
+        <p:sp>
+          <p:nvSpPr>
+            <p:cNvPr id="31" name="椭圆 30">
+              <a:extLst>
+                <a:ext uri="{FF2B5EF4-FFF2-40B4-BE49-F238E27FC236}">
+                  <a16:creationId xmlns:a16="http://schemas.microsoft.com/office/drawing/2014/main" id="{FC869E8C-8DB9-34F8-A16C-7DEAA0A28C3D}"/>
+                </a:ext>
+              </a:extLst>
+            </p:cNvPr>
+            <p:cNvSpPr/>
+            <p:nvPr/>
+          </p:nvSpPr>
+          <p:spPr>
+            <a:xfrm>
+              <a:off x="9897527" y="5921459"/>
+              <a:ext cx="114299" cy="104477"/>
+            </a:xfrm>
+            <a:prstGeom prst="ellipse">
+              <a:avLst/>
+            </a:prstGeom>
+            <a:solidFill>
+              <a:srgbClr val="FF0000"/>
+            </a:solidFill>
+          </p:spPr>
+          <p:style>
+            <a:lnRef idx="2">
+              <a:schemeClr val="accent1">
+                <a:shade val="50000"/>
+              </a:schemeClr>
+            </a:lnRef>
+            <a:fillRef idx="1">
+              <a:schemeClr val="accent1"/>
+            </a:fillRef>
+            <a:effectRef idx="0">
+              <a:schemeClr val="accent1"/>
+            </a:effectRef>
+            <a:fontRef idx="minor">
+              <a:schemeClr val="lt1"/>
+            </a:fontRef>
+          </p:style>
+          <p:txBody>
+            <a:bodyPr rtlCol="0" anchor="ctr"/>
+            <a:lstStyle>
+              <a:defPPr>
+                <a:defRPr lang="zh-CN"/>
+              </a:defPPr>
+              <a:lvl1pPr marL="0" algn="l" defTabSz="914400" rtl="0" eaLnBrk="1" latinLnBrk="0" hangingPunct="1">
+                <a:defRPr sz="1800" kern="1200">
+                  <a:solidFill>
+                    <a:schemeClr val="lt1"/>
+                  </a:solidFill>
+                  <a:latin typeface="+mn-lt"/>
+                  <a:ea typeface="+mn-ea"/>
+                  <a:cs typeface="+mn-cs"/>
+                </a:defRPr>
+              </a:lvl1pPr>
+              <a:lvl2pPr marL="457200" algn="l" defTabSz="914400" rtl="0" eaLnBrk="1" latinLnBrk="0" hangingPunct="1">
+                <a:defRPr sz="1800" kern="1200">
+                  <a:solidFill>
+                    <a:schemeClr val="lt1"/>
+                  </a:solidFill>
+                  <a:latin typeface="+mn-lt"/>
+                  <a:ea typeface="+mn-ea"/>
+                  <a:cs typeface="+mn-cs"/>
+                </a:defRPr>
+              </a:lvl2pPr>
+              <a:lvl3pPr marL="914400" algn="l" defTabSz="914400" rtl="0" eaLnBrk="1" latinLnBrk="0" hangingPunct="1">
+                <a:defRPr sz="1800" kern="1200">
+                  <a:solidFill>
+                    <a:schemeClr val="lt1"/>
+                  </a:solidFill>
+                  <a:latin typeface="+mn-lt"/>
+                  <a:ea typeface="+mn-ea"/>
+                  <a:cs typeface="+mn-cs"/>
+                </a:defRPr>
+              </a:lvl3pPr>
+              <a:lvl4pPr marL="1371600" algn="l" defTabSz="914400" rtl="0" eaLnBrk="1" latinLnBrk="0" hangingPunct="1">
+                <a:defRPr sz="1800" kern="1200">
+                  <a:solidFill>
+                    <a:schemeClr val="lt1"/>
+                  </a:solidFill>
+                  <a:latin typeface="+mn-lt"/>
+                  <a:ea typeface="+mn-ea"/>
+                  <a:cs typeface="+mn-cs"/>
+                </a:defRPr>
+              </a:lvl4pPr>
+              <a:lvl5pPr marL="1828800" algn="l" defTabSz="914400" rtl="0" eaLnBrk="1" latinLnBrk="0" hangingPunct="1">
+                <a:defRPr sz="1800" kern="1200">
+                  <a:solidFill>
+                    <a:schemeClr val="lt1"/>
+                  </a:solidFill>
+                  <a:latin typeface="+mn-lt"/>
+                  <a:ea typeface="+mn-ea"/>
+                  <a:cs typeface="+mn-cs"/>
+                </a:defRPr>
+              </a:lvl5pPr>
+              <a:lvl6pPr marL="2286000" algn="l" defTabSz="914400" rtl="0" eaLnBrk="1" latinLnBrk="0" hangingPunct="1">
+                <a:defRPr sz="1800" kern="1200">
+                  <a:solidFill>
+                    <a:schemeClr val="lt1"/>
+                  </a:solidFill>
+                  <a:latin typeface="+mn-lt"/>
+                  <a:ea typeface="+mn-ea"/>
+                  <a:cs typeface="+mn-cs"/>
+                </a:defRPr>
+              </a:lvl6pPr>
+              <a:lvl7pPr marL="2743200" algn="l" defTabSz="914400" rtl="0" eaLnBrk="1" latinLnBrk="0" hangingPunct="1">
+                <a:defRPr sz="1800" kern="1200">
+                  <a:solidFill>
+                    <a:schemeClr val="lt1"/>
+                  </a:solidFill>
+                  <a:latin typeface="+mn-lt"/>
+                  <a:ea typeface="+mn-ea"/>
+                  <a:cs typeface="+mn-cs"/>
+                </a:defRPr>
+              </a:lvl7pPr>
+              <a:lvl8pPr marL="3200400" algn="l" defTabSz="914400" rtl="0" eaLnBrk="1" latinLnBrk="0" hangingPunct="1">
+                <a:defRPr sz="1800" kern="1200">
+                  <a:solidFill>
+                    <a:schemeClr val="lt1"/>
+                  </a:solidFill>
+                  <a:latin typeface="+mn-lt"/>
+                  <a:ea typeface="+mn-ea"/>
+                  <a:cs typeface="+mn-cs"/>
+                </a:defRPr>
+              </a:lvl8pPr>
+              <a:lvl9pPr marL="3657600" algn="l" defTabSz="914400" rtl="0" eaLnBrk="1" latinLnBrk="0" hangingPunct="1">
+                <a:defRPr sz="1800" kern="1200">
+                  <a:solidFill>
+                    <a:schemeClr val="lt1"/>
+                  </a:solidFill>
+                  <a:latin typeface="+mn-lt"/>
+                  <a:ea typeface="+mn-ea"/>
+                  <a:cs typeface="+mn-cs"/>
+                </a:defRPr>
+              </a:lvl9pPr>
+            </a:lstStyle>
+            <a:p>
+              <a:pPr algn="ctr"/>
+              <a:endParaRPr lang="zh-CN" altLang="en-US"/>
+            </a:p>
+          </p:txBody>
+        </p:sp>
+        <p:sp>
+          <p:nvSpPr>
+            <p:cNvPr id="35" name="文本框 34">
+              <a:extLst>
+                <a:ext uri="{FF2B5EF4-FFF2-40B4-BE49-F238E27FC236}">
+                  <a16:creationId xmlns:a16="http://schemas.microsoft.com/office/drawing/2014/main" id="{2DD572B1-7CB7-124B-852C-F999C29576BF}"/>
+                </a:ext>
+              </a:extLst>
+            </p:cNvPr>
+            <p:cNvSpPr txBox="1"/>
+            <p:nvPr/>
+          </p:nvSpPr>
+          <p:spPr>
+            <a:xfrm>
+              <a:off x="10128545" y="5831259"/>
+              <a:ext cx="298480" cy="338554"/>
+            </a:xfrm>
+            <a:prstGeom prst="rect">
+              <a:avLst/>
+            </a:prstGeom>
+            <a:noFill/>
+          </p:spPr>
+          <p:txBody>
+            <a:bodyPr wrap="none" rtlCol="0">
+              <a:spAutoFit/>
+            </a:bodyPr>
+            <a:lstStyle/>
+            <a:p>
+              <a:r>
+                <a:rPr lang="en-US" altLang="zh-CN" sz="1600" dirty="0"/>
+                <a:t>4</a:t>
+              </a:r>
+              <a:endParaRPr lang="zh-CN" altLang="en-US" sz="1600" dirty="0"/>
+            </a:p>
+          </p:txBody>
+        </p:sp>
+      </p:grpSp>
+    </p:spTree>
+    <p:extLst>
+      <p:ext uri="{BB962C8B-B14F-4D97-AF65-F5344CB8AC3E}">
+        <p14:creationId xmlns:p14="http://schemas.microsoft.com/office/powerpoint/2010/main" val="2339827950"/>
+      </p:ext>
+    </p:extLst>
+  </p:cSld>
+  <p:clrMapOvr>
+    <a:masterClrMapping/>
+  </p:clrMapOvr>
+</p:sld>
+</file>
+
+<file path=ppt/slides/slide2.xml><?xml version="1.0" encoding="utf-8"?>
 <p:sld xmlns:a="http://schemas.openxmlformats.org/drawingml/2006/main" xmlns:r="http://schemas.openxmlformats.org/officeDocument/2006/relationships" xmlns:p="http://schemas.openxmlformats.org/presentationml/2006/main">
   <p:cSld>
     <p:spTree>
@@ -11333,7 +15262,7 @@
 </p:sld>
 </file>
 
-<file path=ppt/slides/slide2.xml><?xml version="1.0" encoding="utf-8"?>
+<file path=ppt/slides/slide3.xml><?xml version="1.0" encoding="utf-8"?>
 <p:sld xmlns:a="http://schemas.openxmlformats.org/drawingml/2006/main" xmlns:r="http://schemas.openxmlformats.org/officeDocument/2006/relationships" xmlns:p="http://schemas.openxmlformats.org/presentationml/2006/main">
   <p:cSld>
     <p:spTree>
@@ -11419,7 +15348,7 @@
 </p:sld>
 </file>
 
-<file path=ppt/slides/slide3.xml><?xml version="1.0" encoding="utf-8"?>
+<file path=ppt/slides/slide4.xml><?xml version="1.0" encoding="utf-8"?>
 <p:sld xmlns:a="http://schemas.openxmlformats.org/drawingml/2006/main" xmlns:r="http://schemas.openxmlformats.org/officeDocument/2006/relationships" xmlns:p="http://schemas.openxmlformats.org/presentationml/2006/main">
   <p:cSld>
     <p:spTree>
@@ -11590,7 +15519,7 @@
 </p:sld>
 </file>
 
-<file path=ppt/slides/slide4.xml><?xml version="1.0" encoding="utf-8"?>
+<file path=ppt/slides/slide5.xml><?xml version="1.0" encoding="utf-8"?>
 <p:sld xmlns:a="http://schemas.openxmlformats.org/drawingml/2006/main" xmlns:r="http://schemas.openxmlformats.org/officeDocument/2006/relationships" xmlns:p="http://schemas.openxmlformats.org/presentationml/2006/main">
   <p:cSld>
     <p:spTree>
@@ -12354,7 +16283,7 @@
 </p:sld>
 </file>
 
-<file path=ppt/slides/slide5.xml><?xml version="1.0" encoding="utf-8"?>
+<file path=ppt/slides/slide6.xml><?xml version="1.0" encoding="utf-8"?>
 <p:sld xmlns:a="http://schemas.openxmlformats.org/drawingml/2006/main" xmlns:r="http://schemas.openxmlformats.org/officeDocument/2006/relationships" xmlns:p="http://schemas.openxmlformats.org/presentationml/2006/main">
   <p:cSld>
     <p:spTree>
@@ -13751,4 +17680,299 @@
     </a:ext>
   </a:extLst>
 </a:theme>
+</file>
+
+<file path=ppt/theme/theme2.xml><?xml version="1.0" encoding="utf-8"?>
+<a:theme xmlns:a="http://schemas.openxmlformats.org/drawingml/2006/main" name="Office 主题​​">
+  <a:themeElements>
+    <a:clrScheme name="Office">
+      <a:dk1>
+        <a:sysClr val="windowText" lastClr="000000"/>
+      </a:dk1>
+      <a:lt1>
+        <a:sysClr val="window" lastClr="FFFFFF"/>
+      </a:lt1>
+      <a:dk2>
+        <a:srgbClr val="44546A"/>
+      </a:dk2>
+      <a:lt2>
+        <a:srgbClr val="E7E6E6"/>
+      </a:lt2>
+      <a:accent1>
+        <a:srgbClr val="4472C4"/>
+      </a:accent1>
+      <a:accent2>
+        <a:srgbClr val="ED7D31"/>
+      </a:accent2>
+      <a:accent3>
+        <a:srgbClr val="A5A5A5"/>
+      </a:accent3>
+      <a:accent4>
+        <a:srgbClr val="FFC000"/>
+      </a:accent4>
+      <a:accent5>
+        <a:srgbClr val="5B9BD5"/>
+      </a:accent5>
+      <a:accent6>
+        <a:srgbClr val="70AD47"/>
+      </a:accent6>
+      <a:hlink>
+        <a:srgbClr val="0563C1"/>
+      </a:hlink>
+      <a:folHlink>
+        <a:srgbClr val="954F72"/>
+      </a:folHlink>
+    </a:clrScheme>
+    <a:fontScheme name="Office">
+      <a:majorFont>
+        <a:latin typeface="等线 Light" panose="020F0302020204030204"/>
+        <a:ea typeface=""/>
+        <a:cs typeface=""/>
+        <a:font script="Jpan" typeface="游ゴシック Light"/>
+        <a:font script="Hang" typeface="맑은 고딕"/>
+        <a:font script="Hans" typeface="等线 Light"/>
+        <a:font script="Hant" typeface="新細明體"/>
+        <a:font script="Arab" typeface="Times New Roman"/>
+        <a:font script="Hebr" typeface="Times New Roman"/>
+        <a:font script="Thai" typeface="Angsana New"/>
+        <a:font script="Ethi" typeface="Nyala"/>
+        <a:font script="Beng" typeface="Vrinda"/>
+        <a:font script="Gujr" typeface="Shruti"/>
+        <a:font script="Khmr" typeface="MoolBoran"/>
+        <a:font script="Knda" typeface="Tunga"/>
+        <a:font script="Guru" typeface="Raavi"/>
+        <a:font script="Cans" typeface="Euphemia"/>
+        <a:font script="Cher" typeface="Plantagenet Cherokee"/>
+        <a:font script="Yiii" typeface="Microsoft Yi Baiti"/>
+        <a:font script="Tibt" typeface="Microsoft Himalaya"/>
+        <a:font script="Thaa" typeface="MV Boli"/>
+        <a:font script="Deva" typeface="Mangal"/>
+        <a:font script="Telu" typeface="Gautami"/>
+        <a:font script="Taml" typeface="Latha"/>
+        <a:font script="Syrc" typeface="Estrangelo Edessa"/>
+        <a:font script="Orya" typeface="Kalinga"/>
+        <a:font script="Mlym" typeface="Kartika"/>
+        <a:font script="Laoo" typeface="DokChampa"/>
+        <a:font script="Sinh" typeface="Iskoola Pota"/>
+        <a:font script="Mong" typeface="Mongolian Baiti"/>
+        <a:font script="Viet" typeface="Times New Roman"/>
+        <a:font script="Uigh" typeface="Microsoft Uighur"/>
+        <a:font script="Geor" typeface="Sylfaen"/>
+        <a:font script="Armn" typeface="Arial"/>
+        <a:font script="Bugi" typeface="Leelawadee UI"/>
+        <a:font script="Bopo" typeface="Microsoft JhengHei"/>
+        <a:font script="Java" typeface="Javanese Text"/>
+        <a:font script="Lisu" typeface="Segoe UI"/>
+        <a:font script="Mymr" typeface="Myanmar Text"/>
+        <a:font script="Nkoo" typeface="Ebrima"/>
+        <a:font script="Olck" typeface="Nirmala UI"/>
+        <a:font script="Osma" typeface="Ebrima"/>
+        <a:font script="Phag" typeface="Phagspa"/>
+        <a:font script="Syrn" typeface="Estrangelo Edessa"/>
+        <a:font script="Syrj" typeface="Estrangelo Edessa"/>
+        <a:font script="Syre" typeface="Estrangelo Edessa"/>
+        <a:font script="Sora" typeface="Nirmala UI"/>
+        <a:font script="Tale" typeface="Microsoft Tai Le"/>
+        <a:font script="Talu" typeface="Microsoft New Tai Lue"/>
+        <a:font script="Tfng" typeface="Ebrima"/>
+      </a:majorFont>
+      <a:minorFont>
+        <a:latin typeface="等线" panose="020F0502020204030204"/>
+        <a:ea typeface=""/>
+        <a:cs typeface=""/>
+        <a:font script="Jpan" typeface="游ゴシック"/>
+        <a:font script="Hang" typeface="맑은 고딕"/>
+        <a:font script="Hans" typeface="等线"/>
+        <a:font script="Hant" typeface="新細明體"/>
+        <a:font script="Arab" typeface="Arial"/>
+        <a:font script="Hebr" typeface="Arial"/>
+        <a:font script="Thai" typeface="Cordia New"/>
+        <a:font script="Ethi" typeface="Nyala"/>
+        <a:font script="Beng" typeface="Vrinda"/>
+        <a:font script="Gujr" typeface="Shruti"/>
+        <a:font script="Khmr" typeface="DaunPenh"/>
+        <a:font script="Knda" typeface="Tunga"/>
+        <a:font script="Guru" typeface="Raavi"/>
+        <a:font script="Cans" typeface="Euphemia"/>
+        <a:font script="Cher" typeface="Plantagenet Cherokee"/>
+        <a:font script="Yiii" typeface="Microsoft Yi Baiti"/>
+        <a:font script="Tibt" typeface="Microsoft Himalaya"/>
+        <a:font script="Thaa" typeface="MV Boli"/>
+        <a:font script="Deva" typeface="Mangal"/>
+        <a:font script="Telu" typeface="Gautami"/>
+        <a:font script="Taml" typeface="Latha"/>
+        <a:font script="Syrc" typeface="Estrangelo Edessa"/>
+        <a:font script="Orya" typeface="Kalinga"/>
+        <a:font script="Mlym" typeface="Kartika"/>
+        <a:font script="Laoo" typeface="DokChampa"/>
+        <a:font script="Sinh" typeface="Iskoola Pota"/>
+        <a:font script="Mong" typeface="Mongolian Baiti"/>
+        <a:font script="Viet" typeface="Arial"/>
+        <a:font script="Uigh" typeface="Microsoft Uighur"/>
+        <a:font script="Geor" typeface="Sylfaen"/>
+        <a:font script="Armn" typeface="Arial"/>
+        <a:font script="Bugi" typeface="Leelawadee UI"/>
+        <a:font script="Bopo" typeface="Microsoft JhengHei"/>
+        <a:font script="Java" typeface="Javanese Text"/>
+        <a:font script="Lisu" typeface="Segoe UI"/>
+        <a:font script="Mymr" typeface="Myanmar Text"/>
+        <a:font script="Nkoo" typeface="Ebrima"/>
+        <a:font script="Olck" typeface="Nirmala UI"/>
+        <a:font script="Osma" typeface="Ebrima"/>
+        <a:font script="Phag" typeface="Phagspa"/>
+        <a:font script="Syrn" typeface="Estrangelo Edessa"/>
+        <a:font script="Syrj" typeface="Estrangelo Edessa"/>
+        <a:font script="Syre" typeface="Estrangelo Edessa"/>
+        <a:font script="Sora" typeface="Nirmala UI"/>
+        <a:font script="Tale" typeface="Microsoft Tai Le"/>
+        <a:font script="Talu" typeface="Microsoft New Tai Lue"/>
+        <a:font script="Tfng" typeface="Ebrima"/>
+      </a:minorFont>
+    </a:fontScheme>
+    <a:fmtScheme name="Office">
+      <a:fillStyleLst>
+        <a:solidFill>
+          <a:schemeClr val="phClr"/>
+        </a:solidFill>
+        <a:gradFill rotWithShape="1">
+          <a:gsLst>
+            <a:gs pos="0">
+              <a:schemeClr val="phClr">
+                <a:lumMod val="110000"/>
+                <a:satMod val="105000"/>
+                <a:tint val="67000"/>
+              </a:schemeClr>
+            </a:gs>
+            <a:gs pos="50000">
+              <a:schemeClr val="phClr">
+                <a:lumMod val="105000"/>
+                <a:satMod val="103000"/>
+                <a:tint val="73000"/>
+              </a:schemeClr>
+            </a:gs>
+            <a:gs pos="100000">
+              <a:schemeClr val="phClr">
+                <a:lumMod val="105000"/>
+                <a:satMod val="109000"/>
+                <a:tint val="81000"/>
+              </a:schemeClr>
+            </a:gs>
+          </a:gsLst>
+          <a:lin ang="5400000" scaled="0"/>
+        </a:gradFill>
+        <a:gradFill rotWithShape="1">
+          <a:gsLst>
+            <a:gs pos="0">
+              <a:schemeClr val="phClr">
+                <a:satMod val="103000"/>
+                <a:lumMod val="102000"/>
+                <a:tint val="94000"/>
+              </a:schemeClr>
+            </a:gs>
+            <a:gs pos="50000">
+              <a:schemeClr val="phClr">
+                <a:satMod val="110000"/>
+                <a:lumMod val="100000"/>
+                <a:shade val="100000"/>
+              </a:schemeClr>
+            </a:gs>
+            <a:gs pos="100000">
+              <a:schemeClr val="phClr">
+                <a:lumMod val="99000"/>
+                <a:satMod val="120000"/>
+                <a:shade val="78000"/>
+              </a:schemeClr>
+            </a:gs>
+          </a:gsLst>
+          <a:lin ang="5400000" scaled="0"/>
+        </a:gradFill>
+      </a:fillStyleLst>
+      <a:lnStyleLst>
+        <a:ln w="6350" cap="flat" cmpd="sng" algn="ctr">
+          <a:solidFill>
+            <a:schemeClr val="phClr"/>
+          </a:solidFill>
+          <a:prstDash val="solid"/>
+          <a:miter lim="800000"/>
+        </a:ln>
+        <a:ln w="12700" cap="flat" cmpd="sng" algn="ctr">
+          <a:solidFill>
+            <a:schemeClr val="phClr"/>
+          </a:solidFill>
+          <a:prstDash val="solid"/>
+          <a:miter lim="800000"/>
+        </a:ln>
+        <a:ln w="19050" cap="flat" cmpd="sng" algn="ctr">
+          <a:solidFill>
+            <a:schemeClr val="phClr"/>
+          </a:solidFill>
+          <a:prstDash val="solid"/>
+          <a:miter lim="800000"/>
+        </a:ln>
+      </a:lnStyleLst>
+      <a:effectStyleLst>
+        <a:effectStyle>
+          <a:effectLst/>
+        </a:effectStyle>
+        <a:effectStyle>
+          <a:effectLst/>
+        </a:effectStyle>
+        <a:effectStyle>
+          <a:effectLst>
+            <a:outerShdw blurRad="57150" dist="19050" dir="5400000" algn="ctr" rotWithShape="0">
+              <a:srgbClr val="000000">
+                <a:alpha val="63000"/>
+              </a:srgbClr>
+            </a:outerShdw>
+          </a:effectLst>
+        </a:effectStyle>
+      </a:effectStyleLst>
+      <a:bgFillStyleLst>
+        <a:solidFill>
+          <a:schemeClr val="phClr"/>
+        </a:solidFill>
+        <a:solidFill>
+          <a:schemeClr val="phClr">
+            <a:tint val="95000"/>
+            <a:satMod val="170000"/>
+          </a:schemeClr>
+        </a:solidFill>
+        <a:gradFill rotWithShape="1">
+          <a:gsLst>
+            <a:gs pos="0">
+              <a:schemeClr val="phClr">
+                <a:tint val="93000"/>
+                <a:satMod val="150000"/>
+                <a:shade val="98000"/>
+                <a:lumMod val="102000"/>
+              </a:schemeClr>
+            </a:gs>
+            <a:gs pos="50000">
+              <a:schemeClr val="phClr">
+                <a:tint val="98000"/>
+                <a:satMod val="130000"/>
+                <a:shade val="90000"/>
+                <a:lumMod val="103000"/>
+              </a:schemeClr>
+            </a:gs>
+            <a:gs pos="100000">
+              <a:schemeClr val="phClr">
+                <a:shade val="63000"/>
+                <a:satMod val="120000"/>
+              </a:schemeClr>
+            </a:gs>
+          </a:gsLst>
+          <a:lin ang="5400000" scaled="0"/>
+        </a:gradFill>
+      </a:bgFillStyleLst>
+    </a:fmtScheme>
+  </a:themeElements>
+  <a:objectDefaults/>
+  <a:extraClrSchemeLst/>
+  <a:extLst>
+    <a:ext uri="{05A4C25C-085E-4340-85A3-A5531E510DB2}">
+      <thm15:themeFamily xmlns:thm15="http://schemas.microsoft.com/office/thememl/2012/main" name="Office Theme" id="{62F939B6-93AF-4DB8-9C6B-D6C7DFDC589F}" vid="{4A3C46E8-61CC-4603-A589-7422A47A8E4A}"/>
+    </a:ext>
+  </a:extLst>
+</a:theme>
 </file>